--- a/Adwords Dashboard.pptx
+++ b/Adwords Dashboard.pptx
@@ -5,11 +5,10 @@
     <p:sldMasterId id="2147483684" r:id="rId1"/>
   </p:sldMasterIdLst>
   <p:notesMasterIdLst>
-    <p:notesMasterId r:id="rId4"/>
+    <p:notesMasterId r:id="rId3"/>
   </p:notesMasterIdLst>
   <p:sldIdLst>
     <p:sldId id="257" r:id="rId2"/>
-    <p:sldId id="258" r:id="rId3"/>
   </p:sldIdLst>
   <p:sldSz cx="10691813" cy="7559675"/>
   <p:notesSz cx="6858000" cy="9144000"/>
@@ -117,9 +116,9 @@
 </file>
 
 <file path=ppt/charts/chart1.xml><?xml version="1.0" encoding="utf-8"?>
-<c:chartSpace xmlns:c="http://schemas.openxmlformats.org/drawingml/2006/chart" xmlns:a="http://schemas.openxmlformats.org/drawingml/2006/main" xmlns:r="http://schemas.openxmlformats.org/officeDocument/2006/relationships">
+<c:chartSpace xmlns:c="http://schemas.openxmlformats.org/drawingml/2006/chart" xmlns:a="http://schemas.openxmlformats.org/drawingml/2006/main" xmlns:r="http://schemas.openxmlformats.org/officeDocument/2006/relationships" xmlns:c16r2="http://schemas.microsoft.com/office/drawing/2015/06/chart">
   <c:date1904 val="0"/>
-  <c:lang val="en-AU"/>
+  <c:lang val="en-US"/>
   <c:roundedCorners val="0"/>
   <mc:AlternateContent xmlns:mc="http://schemas.openxmlformats.org/markup-compatibility/2006">
     <mc:Choice xmlns:c14="http://schemas.microsoft.com/office/drawing/2007/8/2/chart" Requires="c14">
@@ -168,22 +167,22 @@
                 <c:formatCode>mmm\-yy</c:formatCode>
                 <c:ptCount val="6"/>
                 <c:pt idx="0">
-                  <c:v>42491.0</c:v>
+                  <c:v>42491</c:v>
                 </c:pt>
                 <c:pt idx="1">
-                  <c:v>42522.0</c:v>
+                  <c:v>42522</c:v>
                 </c:pt>
                 <c:pt idx="2">
-                  <c:v>42552.0</c:v>
+                  <c:v>42552</c:v>
                 </c:pt>
                 <c:pt idx="3">
-                  <c:v>42583.0</c:v>
+                  <c:v>42583</c:v>
                 </c:pt>
                 <c:pt idx="4">
-                  <c:v>42614.0</c:v>
+                  <c:v>42614</c:v>
                 </c:pt>
                 <c:pt idx="5">
-                  <c:v>42644.0</c:v>
+                  <c:v>42644</c:v>
                 </c:pt>
               </c:numCache>
             </c:numRef>
@@ -195,26 +194,31 @@
                 <c:formatCode>#,##0</c:formatCode>
                 <c:ptCount val="6"/>
                 <c:pt idx="0">
-                  <c:v>18061.0</c:v>
+                  <c:v>18061</c:v>
                 </c:pt>
                 <c:pt idx="1">
-                  <c:v>19561.0</c:v>
+                  <c:v>19561</c:v>
                 </c:pt>
                 <c:pt idx="2">
-                  <c:v>21061.0</c:v>
+                  <c:v>21061</c:v>
                 </c:pt>
                 <c:pt idx="3">
-                  <c:v>22561.0</c:v>
+                  <c:v>22561</c:v>
                 </c:pt>
                 <c:pt idx="4">
-                  <c:v>24061.0</c:v>
+                  <c:v>24061</c:v>
                 </c:pt>
                 <c:pt idx="5">
-                  <c:v>25561.0</c:v>
+                  <c:v>25561</c:v>
                 </c:pt>
               </c:numCache>
             </c:numRef>
           </c:val>
+          <c:extLst>
+            <c:ext xmlns:c16="http://schemas.microsoft.com/office/drawing/2014/chart" uri="{C3380CC4-5D6E-409C-BE32-E72D297353CC}">
+              <c16:uniqueId val="{00000000-51BB-4290-8A44-4F61EDF32485}"/>
+            </c:ext>
+          </c:extLst>
         </c:ser>
         <c:dLbls>
           <c:showLegendKey val="0"/>
@@ -276,22 +280,22 @@
                 <c:formatCode>mmm\-yy</c:formatCode>
                 <c:ptCount val="6"/>
                 <c:pt idx="0">
-                  <c:v>42491.0</c:v>
+                  <c:v>42491</c:v>
                 </c:pt>
                 <c:pt idx="1">
-                  <c:v>42522.0</c:v>
+                  <c:v>42522</c:v>
                 </c:pt>
                 <c:pt idx="2">
-                  <c:v>42552.0</c:v>
+                  <c:v>42552</c:v>
                 </c:pt>
                 <c:pt idx="3">
-                  <c:v>42583.0</c:v>
+                  <c:v>42583</c:v>
                 </c:pt>
                 <c:pt idx="4">
-                  <c:v>42614.0</c:v>
+                  <c:v>42614</c:v>
                 </c:pt>
                 <c:pt idx="5">
-                  <c:v>42644.0</c:v>
+                  <c:v>42644</c:v>
                 </c:pt>
               </c:numCache>
             </c:numRef>
@@ -306,6 +310,11 @@
             </c:numRef>
           </c:val>
           <c:smooth val="0"/>
+          <c:extLst>
+            <c:ext xmlns:c16="http://schemas.microsoft.com/office/drawing/2014/chart" uri="{C3380CC4-5D6E-409C-BE32-E72D297353CC}">
+              <c16:uniqueId val="{00000001-51BB-4290-8A44-4F61EDF32485}"/>
+            </c:ext>
+          </c:extLst>
         </c:ser>
         <c:dLbls>
           <c:showLegendKey val="0"/>
@@ -368,22 +377,22 @@
                 <c:formatCode>mmm\-yy</c:formatCode>
                 <c:ptCount val="6"/>
                 <c:pt idx="0">
-                  <c:v>42491.0</c:v>
+                  <c:v>42491</c:v>
                 </c:pt>
                 <c:pt idx="1">
-                  <c:v>42522.0</c:v>
+                  <c:v>42522</c:v>
                 </c:pt>
                 <c:pt idx="2">
-                  <c:v>42552.0</c:v>
+                  <c:v>42552</c:v>
                 </c:pt>
                 <c:pt idx="3">
-                  <c:v>42583.0</c:v>
+                  <c:v>42583</c:v>
                 </c:pt>
                 <c:pt idx="4">
-                  <c:v>42614.0</c:v>
+                  <c:v>42614</c:v>
                 </c:pt>
                 <c:pt idx="5">
-                  <c:v>42644.0</c:v>
+                  <c:v>42644</c:v>
                 </c:pt>
               </c:numCache>
             </c:numRef>
@@ -416,6 +425,11 @@
             </c:numRef>
           </c:val>
           <c:smooth val="0"/>
+          <c:extLst>
+            <c:ext xmlns:c16="http://schemas.microsoft.com/office/drawing/2014/chart" uri="{C3380CC4-5D6E-409C-BE32-E72D297353CC}">
+              <c16:uniqueId val="{00000002-51BB-4290-8A44-4F61EDF32485}"/>
+            </c:ext>
+          </c:extLst>
         </c:ser>
         <c:dLbls>
           <c:showLegendKey val="0"/>
@@ -577,7 +591,7 @@
         <c:crossAx val="-2145772144"/>
         <c:crosses val="max"/>
         <c:crossBetween val="between"/>
-        <c:majorUnit val="2.0"/>
+        <c:majorUnit val="2"/>
         <c:minorUnit val="0.5"/>
       </c:valAx>
       <c:dateAx>
@@ -607,7 +621,6 @@
     </c:plotArea>
     <c:legend>
       <c:legendPos val="r"/>
-      <c:layout/>
       <c:overlay val="0"/>
       <c:spPr>
         <a:noFill/>
@@ -665,9 +678,9 @@
 </file>
 
 <file path=ppt/charts/chart2.xml><?xml version="1.0" encoding="utf-8"?>
-<c:chartSpace xmlns:c="http://schemas.openxmlformats.org/drawingml/2006/chart" xmlns:a="http://schemas.openxmlformats.org/drawingml/2006/main" xmlns:r="http://schemas.openxmlformats.org/officeDocument/2006/relationships">
+<c:chartSpace xmlns:c="http://schemas.openxmlformats.org/drawingml/2006/chart" xmlns:a="http://schemas.openxmlformats.org/drawingml/2006/main" xmlns:r="http://schemas.openxmlformats.org/officeDocument/2006/relationships" xmlns:c16r2="http://schemas.microsoft.com/office/drawing/2015/06/chart">
   <c:date1904 val="0"/>
-  <c:lang val="en-AU"/>
+  <c:lang val="en-US"/>
   <c:roundedCorners val="0"/>
   <mc:AlternateContent xmlns:mc="http://schemas.openxmlformats.org/markup-compatibility/2006">
     <mc:Choice xmlns:c14="http://schemas.microsoft.com/office/drawing/2007/8/2/chart" Requires="c14">
@@ -719,6 +732,11 @@
                 </a:contourClr>
               </a:sp3d>
             </c:spPr>
+            <c:extLst>
+              <c:ext xmlns:c16="http://schemas.microsoft.com/office/drawing/2014/chart" uri="{C3380CC4-5D6E-409C-BE32-E72D297353CC}">
+                <c16:uniqueId val="{00000001-C308-4AA4-8617-D2713E905359}"/>
+              </c:ext>
+            </c:extLst>
           </c:dPt>
           <c:dPt>
             <c:idx val="1"/>
@@ -742,6 +760,11 @@
                 </a:contourClr>
               </a:sp3d>
             </c:spPr>
+            <c:extLst>
+              <c:ext xmlns:c16="http://schemas.microsoft.com/office/drawing/2014/chart" uri="{C3380CC4-5D6E-409C-BE32-E72D297353CC}">
+                <c16:uniqueId val="{00000003-C308-4AA4-8617-D2713E905359}"/>
+              </c:ext>
+            </c:extLst>
           </c:dPt>
           <c:dPt>
             <c:idx val="2"/>
@@ -765,6 +788,11 @@
                 </a:contourClr>
               </a:sp3d>
             </c:spPr>
+            <c:extLst>
+              <c:ext xmlns:c16="http://schemas.microsoft.com/office/drawing/2014/chart" uri="{C3380CC4-5D6E-409C-BE32-E72D297353CC}">
+                <c16:uniqueId val="{00000005-C308-4AA4-8617-D2713E905359}"/>
+              </c:ext>
+            </c:extLst>
           </c:dPt>
           <c:dPt>
             <c:idx val="3"/>
@@ -788,6 +816,11 @@
                 </a:contourClr>
               </a:sp3d>
             </c:spPr>
+            <c:extLst>
+              <c:ext xmlns:c16="http://schemas.microsoft.com/office/drawing/2014/chart" uri="{C3380CC4-5D6E-409C-BE32-E72D297353CC}">
+                <c16:uniqueId val="{00000007-C308-4AA4-8617-D2713E905359}"/>
+              </c:ext>
+            </c:extLst>
           </c:dPt>
           <c:dLbls>
             <c:spPr>
@@ -838,9 +871,7 @@
               </c:spPr>
             </c:leaderLines>
             <c:extLst>
-              <c:ext xmlns:c15="http://schemas.microsoft.com/office/drawing/2012/chart" uri="{CE6537A1-D6FC-4f65-9D91-7224C49458BB}">
-                <c15:layout/>
-              </c:ext>
+              <c:ext xmlns:c15="http://schemas.microsoft.com/office/drawing/2012/chart" uri="{CE6537A1-D6FC-4f65-9D91-7224C49458BB}"/>
             </c:extLst>
           </c:dLbls>
           <c:cat>
@@ -864,7 +895,7 @@
                 <c:formatCode>General</c:formatCode>
                 <c:ptCount val="4"/>
                 <c:pt idx="0">
-                  <c:v>8.2</c:v>
+                  <c:v>8.1999999999999993</c:v>
                 </c:pt>
                 <c:pt idx="1">
                   <c:v>3.2</c:v>
@@ -872,6 +903,11 @@
               </c:numCache>
             </c:numRef>
           </c:val>
+          <c:extLst>
+            <c:ext xmlns:c16="http://schemas.microsoft.com/office/drawing/2014/chart" uri="{C3380CC4-5D6E-409C-BE32-E72D297353CC}">
+              <c16:uniqueId val="{00000008-C308-4AA4-8617-D2713E905359}"/>
+            </c:ext>
+          </c:extLst>
         </c:ser>
         <c:dLbls>
           <c:showLegendKey val="0"/>
@@ -895,7 +931,6 @@
     </c:plotArea>
     <c:legend>
       <c:legendPos val="t"/>
-      <c:layout/>
       <c:overlay val="0"/>
       <c:spPr>
         <a:noFill/>
@@ -2134,7 +2169,7 @@
           <a:p>
             <a:fld id="{FF267536-A7C0-4040-B77A-F4FFFD7E1707}" type="datetimeFigureOut">
               <a:rPr lang="en-AU" smtClean="0"/>
-              <a:t>31/10/2016</a:t>
+              <a:t>3/04/2018</a:t>
             </a:fld>
             <a:endParaRPr lang="en-AU"/>
           </a:p>
@@ -2198,35 +2233,35 @@
           <a:p>
             <a:pPr lvl="0"/>
             <a:r>
-              <a:rPr lang="en-US" smtClean="0"/>
+              <a:rPr lang="en-US"/>
               <a:t>Click to edit Master text styles</a:t>
             </a:r>
           </a:p>
           <a:p>
             <a:pPr lvl="1"/>
             <a:r>
-              <a:rPr lang="en-US" smtClean="0"/>
+              <a:rPr lang="en-US"/>
               <a:t>Second level</a:t>
             </a:r>
           </a:p>
           <a:p>
             <a:pPr lvl="2"/>
             <a:r>
-              <a:rPr lang="en-US" smtClean="0"/>
+              <a:rPr lang="en-US"/>
               <a:t>Third level</a:t>
             </a:r>
           </a:p>
           <a:p>
             <a:pPr lvl="3"/>
             <a:r>
-              <a:rPr lang="en-US" smtClean="0"/>
+              <a:rPr lang="en-US"/>
               <a:t>Fourth level</a:t>
             </a:r>
           </a:p>
           <a:p>
             <a:pPr lvl="4"/>
             <a:r>
-              <a:rPr lang="en-US" smtClean="0"/>
+              <a:rPr lang="en-US"/>
               <a:t>Fifth level</a:t>
             </a:r>
             <a:endParaRPr lang="en-AU"/>
@@ -2486,90 +2521,6 @@
 </p:notes>
 </file>
 
-<file path=ppt/notesSlides/notesSlide2.xml><?xml version="1.0" encoding="utf-8"?>
-<p:notes xmlns:a="http://schemas.openxmlformats.org/drawingml/2006/main" xmlns:r="http://schemas.openxmlformats.org/officeDocument/2006/relationships" xmlns:p="http://schemas.openxmlformats.org/presentationml/2006/main">
-  <p:cSld>
-    <p:spTree>
-      <p:nvGrpSpPr>
-        <p:cNvPr id="1" name=""/>
-        <p:cNvGrpSpPr/>
-        <p:nvPr/>
-      </p:nvGrpSpPr>
-      <p:grpSpPr>
-        <a:xfrm>
-          <a:off x="0" y="0"/>
-          <a:ext cx="0" cy="0"/>
-          <a:chOff x="0" y="0"/>
-          <a:chExt cx="0" cy="0"/>
-        </a:xfrm>
-      </p:grpSpPr>
-      <p:sp>
-        <p:nvSpPr>
-          <p:cNvPr id="2" name="Slide Image Placeholder 1"/>
-          <p:cNvSpPr>
-            <a:spLocks noGrp="1" noRot="1" noChangeAspect="1"/>
-          </p:cNvSpPr>
-          <p:nvPr>
-            <p:ph type="sldImg"/>
-          </p:nvPr>
-        </p:nvSpPr>
-        <p:spPr/>
-      </p:sp>
-      <p:sp>
-        <p:nvSpPr>
-          <p:cNvPr id="3" name="Notes Placeholder 2"/>
-          <p:cNvSpPr>
-            <a:spLocks noGrp="1"/>
-          </p:cNvSpPr>
-          <p:nvPr>
-            <p:ph type="body" idx="1"/>
-          </p:nvPr>
-        </p:nvSpPr>
-        <p:spPr/>
-        <p:txBody>
-          <a:bodyPr/>
-          <a:lstStyle/>
-          <a:p>
-            <a:endParaRPr lang="en-AU" dirty="0"/>
-          </a:p>
-        </p:txBody>
-      </p:sp>
-      <p:sp>
-        <p:nvSpPr>
-          <p:cNvPr id="4" name="Slide Number Placeholder 3"/>
-          <p:cNvSpPr>
-            <a:spLocks noGrp="1"/>
-          </p:cNvSpPr>
-          <p:nvPr>
-            <p:ph type="sldNum" sz="quarter" idx="10"/>
-          </p:nvPr>
-        </p:nvSpPr>
-        <p:spPr/>
-        <p:txBody>
-          <a:bodyPr/>
-          <a:lstStyle/>
-          <a:p>
-            <a:fld id="{B76B8D7A-C45D-DC42-A045-74BB7D0B138A}" type="slidenum">
-              <a:rPr lang="en-AU" smtClean="0"/>
-              <a:t>2</a:t>
-            </a:fld>
-            <a:endParaRPr lang="en-AU"/>
-          </a:p>
-        </p:txBody>
-      </p:sp>
-    </p:spTree>
-    <p:extLst>
-      <p:ext uri="{BB962C8B-B14F-4D97-AF65-F5344CB8AC3E}">
-        <p14:creationId xmlns:p14="http://schemas.microsoft.com/office/powerpoint/2010/main" val="180041305"/>
-      </p:ext>
-    </p:extLst>
-  </p:cSld>
-  <p:clrMapOvr>
-    <a:masterClrMapping/>
-  </p:clrMapOvr>
-</p:notes>
-</file>
-
 <file path=ppt/slideLayouts/slideLayout1.xml><?xml version="1.0" encoding="utf-8"?>
 <p:sldLayout xmlns:a="http://schemas.openxmlformats.org/drawingml/2006/main" xmlns:r="http://schemas.openxmlformats.org/officeDocument/2006/relationships" xmlns:p="http://schemas.openxmlformats.org/presentationml/2006/main" type="title" preserve="1">
   <p:cSld name="Title Slide">
@@ -2612,7 +2563,7 @@
           </a:lstStyle>
           <a:p>
             <a:r>
-              <a:rPr lang="en-US" smtClean="0"/>
+              <a:rPr lang="en-US"/>
               <a:t>Click to edit Master title style</a:t>
             </a:r>
             <a:endParaRPr lang="en-US" dirty="0"/>
@@ -2677,7 +2628,7 @@
           </a:lstStyle>
           <a:p>
             <a:r>
-              <a:rPr lang="en-US" smtClean="0"/>
+              <a:rPr lang="en-US"/>
               <a:t>Click to edit Master subtitle style</a:t>
             </a:r>
             <a:endParaRPr lang="en-US" dirty="0"/>
@@ -2701,7 +2652,7 @@
           <a:p>
             <a:fld id="{1BE13773-BB57-B443-B397-F0056848312E}" type="datetimeFigureOut">
               <a:rPr lang="en-US" smtClean="0"/>
-              <a:t>10/31/16</a:t>
+              <a:t>03-Apr-18</a:t>
             </a:fld>
             <a:endParaRPr lang="en-US"/>
           </a:p>
@@ -2795,7 +2746,7 @@
           <a:lstStyle/>
           <a:p>
             <a:r>
-              <a:rPr lang="en-US" smtClean="0"/>
+              <a:rPr lang="en-US"/>
               <a:t>Click to edit Master title style</a:t>
             </a:r>
             <a:endParaRPr lang="en-US" dirty="0"/>
@@ -2819,35 +2770,35 @@
           <a:p>
             <a:pPr lvl="0"/>
             <a:r>
-              <a:rPr lang="en-US" smtClean="0"/>
+              <a:rPr lang="en-US"/>
               <a:t>Click to edit Master text styles</a:t>
             </a:r>
           </a:p>
           <a:p>
             <a:pPr lvl="1"/>
             <a:r>
-              <a:rPr lang="en-US" smtClean="0"/>
+              <a:rPr lang="en-US"/>
               <a:t>Second level</a:t>
             </a:r>
           </a:p>
           <a:p>
             <a:pPr lvl="2"/>
             <a:r>
-              <a:rPr lang="en-US" smtClean="0"/>
+              <a:rPr lang="en-US"/>
               <a:t>Third level</a:t>
             </a:r>
           </a:p>
           <a:p>
             <a:pPr lvl="3"/>
             <a:r>
-              <a:rPr lang="en-US" smtClean="0"/>
+              <a:rPr lang="en-US"/>
               <a:t>Fourth level</a:t>
             </a:r>
           </a:p>
           <a:p>
             <a:pPr lvl="4"/>
             <a:r>
-              <a:rPr lang="en-US" smtClean="0"/>
+              <a:rPr lang="en-US"/>
               <a:t>Fifth level</a:t>
             </a:r>
             <a:endParaRPr lang="en-US" dirty="0"/>
@@ -2871,7 +2822,7 @@
           <a:p>
             <a:fld id="{1BE13773-BB57-B443-B397-F0056848312E}" type="datetimeFigureOut">
               <a:rPr lang="en-US" smtClean="0"/>
-              <a:t>10/31/16</a:t>
+              <a:t>03-Apr-18</a:t>
             </a:fld>
             <a:endParaRPr lang="en-US"/>
           </a:p>
@@ -2970,7 +2921,7 @@
           <a:lstStyle/>
           <a:p>
             <a:r>
-              <a:rPr lang="en-US" smtClean="0"/>
+              <a:rPr lang="en-US"/>
               <a:t>Click to edit Master title style</a:t>
             </a:r>
             <a:endParaRPr lang="en-US" dirty="0"/>
@@ -2999,35 +2950,35 @@
           <a:p>
             <a:pPr lvl="0"/>
             <a:r>
-              <a:rPr lang="en-US" smtClean="0"/>
+              <a:rPr lang="en-US"/>
               <a:t>Click to edit Master text styles</a:t>
             </a:r>
           </a:p>
           <a:p>
             <a:pPr lvl="1"/>
             <a:r>
-              <a:rPr lang="en-US" smtClean="0"/>
+              <a:rPr lang="en-US"/>
               <a:t>Second level</a:t>
             </a:r>
           </a:p>
           <a:p>
             <a:pPr lvl="2"/>
             <a:r>
-              <a:rPr lang="en-US" smtClean="0"/>
+              <a:rPr lang="en-US"/>
               <a:t>Third level</a:t>
             </a:r>
           </a:p>
           <a:p>
             <a:pPr lvl="3"/>
             <a:r>
-              <a:rPr lang="en-US" smtClean="0"/>
+              <a:rPr lang="en-US"/>
               <a:t>Fourth level</a:t>
             </a:r>
           </a:p>
           <a:p>
             <a:pPr lvl="4"/>
             <a:r>
-              <a:rPr lang="en-US" smtClean="0"/>
+              <a:rPr lang="en-US"/>
               <a:t>Fifth level</a:t>
             </a:r>
             <a:endParaRPr lang="en-US" dirty="0"/>
@@ -3051,7 +3002,7 @@
           <a:p>
             <a:fld id="{1BE13773-BB57-B443-B397-F0056848312E}" type="datetimeFigureOut">
               <a:rPr lang="en-US" smtClean="0"/>
-              <a:t>10/31/16</a:t>
+              <a:t>03-Apr-18</a:t>
             </a:fld>
             <a:endParaRPr lang="en-US"/>
           </a:p>
@@ -3145,7 +3096,7 @@
           <a:lstStyle/>
           <a:p>
             <a:r>
-              <a:rPr lang="en-US" smtClean="0"/>
+              <a:rPr lang="en-US"/>
               <a:t>Click to edit Master title style</a:t>
             </a:r>
             <a:endParaRPr lang="en-US" dirty="0"/>
@@ -3169,35 +3120,35 @@
           <a:p>
             <a:pPr lvl="0"/>
             <a:r>
-              <a:rPr lang="en-US" smtClean="0"/>
+              <a:rPr lang="en-US"/>
               <a:t>Click to edit Master text styles</a:t>
             </a:r>
           </a:p>
           <a:p>
             <a:pPr lvl="1"/>
             <a:r>
-              <a:rPr lang="en-US" smtClean="0"/>
+              <a:rPr lang="en-US"/>
               <a:t>Second level</a:t>
             </a:r>
           </a:p>
           <a:p>
             <a:pPr lvl="2"/>
             <a:r>
-              <a:rPr lang="en-US" smtClean="0"/>
+              <a:rPr lang="en-US"/>
               <a:t>Third level</a:t>
             </a:r>
           </a:p>
           <a:p>
             <a:pPr lvl="3"/>
             <a:r>
-              <a:rPr lang="en-US" smtClean="0"/>
+              <a:rPr lang="en-US"/>
               <a:t>Fourth level</a:t>
             </a:r>
           </a:p>
           <a:p>
             <a:pPr lvl="4"/>
             <a:r>
-              <a:rPr lang="en-US" smtClean="0"/>
+              <a:rPr lang="en-US"/>
               <a:t>Fifth level</a:t>
             </a:r>
             <a:endParaRPr lang="en-US" dirty="0"/>
@@ -3221,7 +3172,7 @@
           <a:p>
             <a:fld id="{1BE13773-BB57-B443-B397-F0056848312E}" type="datetimeFigureOut">
               <a:rPr lang="en-US" smtClean="0"/>
-              <a:t>10/31/16</a:t>
+              <a:t>03-Apr-18</a:t>
             </a:fld>
             <a:endParaRPr lang="en-US"/>
           </a:p>
@@ -3324,7 +3275,7 @@
           </a:lstStyle>
           <a:p>
             <a:r>
-              <a:rPr lang="en-US" smtClean="0"/>
+              <a:rPr lang="en-US"/>
               <a:t>Click to edit Master title style</a:t>
             </a:r>
             <a:endParaRPr lang="en-US" dirty="0"/>
@@ -3442,7 +3393,7 @@
           <a:p>
             <a:pPr lvl="0"/>
             <a:r>
-              <a:rPr lang="en-US" smtClean="0"/>
+              <a:rPr lang="en-US"/>
               <a:t>Click to edit Master text styles</a:t>
             </a:r>
           </a:p>
@@ -3465,7 +3416,7 @@
           <a:p>
             <a:fld id="{1BE13773-BB57-B443-B397-F0056848312E}" type="datetimeFigureOut">
               <a:rPr lang="en-US" smtClean="0"/>
-              <a:t>10/31/16</a:t>
+              <a:t>03-Apr-18</a:t>
             </a:fld>
             <a:endParaRPr lang="en-US"/>
           </a:p>
@@ -3559,7 +3510,7 @@
           <a:lstStyle/>
           <a:p>
             <a:r>
-              <a:rPr lang="en-US" smtClean="0"/>
+              <a:rPr lang="en-US"/>
               <a:t>Click to edit Master title style</a:t>
             </a:r>
             <a:endParaRPr lang="en-US" dirty="0"/>
@@ -3588,35 +3539,35 @@
           <a:p>
             <a:pPr lvl="0"/>
             <a:r>
-              <a:rPr lang="en-US" smtClean="0"/>
+              <a:rPr lang="en-US"/>
               <a:t>Click to edit Master text styles</a:t>
             </a:r>
           </a:p>
           <a:p>
             <a:pPr lvl="1"/>
             <a:r>
-              <a:rPr lang="en-US" smtClean="0"/>
+              <a:rPr lang="en-US"/>
               <a:t>Second level</a:t>
             </a:r>
           </a:p>
           <a:p>
             <a:pPr lvl="2"/>
             <a:r>
-              <a:rPr lang="en-US" smtClean="0"/>
+              <a:rPr lang="en-US"/>
               <a:t>Third level</a:t>
             </a:r>
           </a:p>
           <a:p>
             <a:pPr lvl="3"/>
             <a:r>
-              <a:rPr lang="en-US" smtClean="0"/>
+              <a:rPr lang="en-US"/>
               <a:t>Fourth level</a:t>
             </a:r>
           </a:p>
           <a:p>
             <a:pPr lvl="4"/>
             <a:r>
-              <a:rPr lang="en-US" smtClean="0"/>
+              <a:rPr lang="en-US"/>
               <a:t>Fifth level</a:t>
             </a:r>
             <a:endParaRPr lang="en-US" dirty="0"/>
@@ -3645,35 +3596,35 @@
           <a:p>
             <a:pPr lvl="0"/>
             <a:r>
-              <a:rPr lang="en-US" smtClean="0"/>
+              <a:rPr lang="en-US"/>
               <a:t>Click to edit Master text styles</a:t>
             </a:r>
           </a:p>
           <a:p>
             <a:pPr lvl="1"/>
             <a:r>
-              <a:rPr lang="en-US" smtClean="0"/>
+              <a:rPr lang="en-US"/>
               <a:t>Second level</a:t>
             </a:r>
           </a:p>
           <a:p>
             <a:pPr lvl="2"/>
             <a:r>
-              <a:rPr lang="en-US" smtClean="0"/>
+              <a:rPr lang="en-US"/>
               <a:t>Third level</a:t>
             </a:r>
           </a:p>
           <a:p>
             <a:pPr lvl="3"/>
             <a:r>
-              <a:rPr lang="en-US" smtClean="0"/>
+              <a:rPr lang="en-US"/>
               <a:t>Fourth level</a:t>
             </a:r>
           </a:p>
           <a:p>
             <a:pPr lvl="4"/>
             <a:r>
-              <a:rPr lang="en-US" smtClean="0"/>
+              <a:rPr lang="en-US"/>
               <a:t>Fifth level</a:t>
             </a:r>
             <a:endParaRPr lang="en-US" dirty="0"/>
@@ -3697,7 +3648,7 @@
           <a:p>
             <a:fld id="{1BE13773-BB57-B443-B397-F0056848312E}" type="datetimeFigureOut">
               <a:rPr lang="en-US" smtClean="0"/>
-              <a:t>10/31/16</a:t>
+              <a:t>03-Apr-18</a:t>
             </a:fld>
             <a:endParaRPr lang="en-US"/>
           </a:p>
@@ -3796,7 +3747,7 @@
           <a:lstStyle/>
           <a:p>
             <a:r>
-              <a:rPr lang="en-US" smtClean="0"/>
+              <a:rPr lang="en-US"/>
               <a:t>Click to edit Master title style</a:t>
             </a:r>
             <a:endParaRPr lang="en-US" dirty="0"/>
@@ -3862,7 +3813,7 @@
           <a:p>
             <a:pPr lvl="0"/>
             <a:r>
-              <a:rPr lang="en-US" smtClean="0"/>
+              <a:rPr lang="en-US"/>
               <a:t>Click to edit Master text styles</a:t>
             </a:r>
           </a:p>
@@ -3890,35 +3841,35 @@
           <a:p>
             <a:pPr lvl="0"/>
             <a:r>
-              <a:rPr lang="en-US" smtClean="0"/>
+              <a:rPr lang="en-US"/>
               <a:t>Click to edit Master text styles</a:t>
             </a:r>
           </a:p>
           <a:p>
             <a:pPr lvl="1"/>
             <a:r>
-              <a:rPr lang="en-US" smtClean="0"/>
+              <a:rPr lang="en-US"/>
               <a:t>Second level</a:t>
             </a:r>
           </a:p>
           <a:p>
             <a:pPr lvl="2"/>
             <a:r>
-              <a:rPr lang="en-US" smtClean="0"/>
+              <a:rPr lang="en-US"/>
               <a:t>Third level</a:t>
             </a:r>
           </a:p>
           <a:p>
             <a:pPr lvl="3"/>
             <a:r>
-              <a:rPr lang="en-US" smtClean="0"/>
+              <a:rPr lang="en-US"/>
               <a:t>Fourth level</a:t>
             </a:r>
           </a:p>
           <a:p>
             <a:pPr lvl="4"/>
             <a:r>
-              <a:rPr lang="en-US" smtClean="0"/>
+              <a:rPr lang="en-US"/>
               <a:t>Fifth level</a:t>
             </a:r>
             <a:endParaRPr lang="en-US" dirty="0"/>
@@ -3984,7 +3935,7 @@
           <a:p>
             <a:pPr lvl="0"/>
             <a:r>
-              <a:rPr lang="en-US" smtClean="0"/>
+              <a:rPr lang="en-US"/>
               <a:t>Click to edit Master text styles</a:t>
             </a:r>
           </a:p>
@@ -4012,35 +3963,35 @@
           <a:p>
             <a:pPr lvl="0"/>
             <a:r>
-              <a:rPr lang="en-US" smtClean="0"/>
+              <a:rPr lang="en-US"/>
               <a:t>Click to edit Master text styles</a:t>
             </a:r>
           </a:p>
           <a:p>
             <a:pPr lvl="1"/>
             <a:r>
-              <a:rPr lang="en-US" smtClean="0"/>
+              <a:rPr lang="en-US"/>
               <a:t>Second level</a:t>
             </a:r>
           </a:p>
           <a:p>
             <a:pPr lvl="2"/>
             <a:r>
-              <a:rPr lang="en-US" smtClean="0"/>
+              <a:rPr lang="en-US"/>
               <a:t>Third level</a:t>
             </a:r>
           </a:p>
           <a:p>
             <a:pPr lvl="3"/>
             <a:r>
-              <a:rPr lang="en-US" smtClean="0"/>
+              <a:rPr lang="en-US"/>
               <a:t>Fourth level</a:t>
             </a:r>
           </a:p>
           <a:p>
             <a:pPr lvl="4"/>
             <a:r>
-              <a:rPr lang="en-US" smtClean="0"/>
+              <a:rPr lang="en-US"/>
               <a:t>Fifth level</a:t>
             </a:r>
             <a:endParaRPr lang="en-US" dirty="0"/>
@@ -4064,7 +4015,7 @@
           <a:p>
             <a:fld id="{1BE13773-BB57-B443-B397-F0056848312E}" type="datetimeFigureOut">
               <a:rPr lang="en-US" smtClean="0"/>
-              <a:t>10/31/16</a:t>
+              <a:t>03-Apr-18</a:t>
             </a:fld>
             <a:endParaRPr lang="en-US"/>
           </a:p>
@@ -4158,7 +4109,7 @@
           <a:lstStyle/>
           <a:p>
             <a:r>
-              <a:rPr lang="en-US" smtClean="0"/>
+              <a:rPr lang="en-US"/>
               <a:t>Click to edit Master title style</a:t>
             </a:r>
             <a:endParaRPr lang="en-US" dirty="0"/>
@@ -4182,7 +4133,7 @@
           <a:p>
             <a:fld id="{1BE13773-BB57-B443-B397-F0056848312E}" type="datetimeFigureOut">
               <a:rPr lang="en-US" smtClean="0"/>
-              <a:t>10/31/16</a:t>
+              <a:t>03-Apr-18</a:t>
             </a:fld>
             <a:endParaRPr lang="en-US"/>
           </a:p>
@@ -4277,7 +4228,7 @@
           <a:p>
             <a:fld id="{1BE13773-BB57-B443-B397-F0056848312E}" type="datetimeFigureOut">
               <a:rPr lang="en-US" smtClean="0"/>
-              <a:t>10/31/16</a:t>
+              <a:t>03-Apr-18</a:t>
             </a:fld>
             <a:endParaRPr lang="en-US"/>
           </a:p>
@@ -4380,7 +4331,7 @@
           </a:lstStyle>
           <a:p>
             <a:r>
-              <a:rPr lang="en-US" smtClean="0"/>
+              <a:rPr lang="en-US"/>
               <a:t>Click to edit Master title style</a:t>
             </a:r>
             <a:endParaRPr lang="en-US" dirty="0"/>
@@ -4437,35 +4388,35 @@
           <a:p>
             <a:pPr lvl="0"/>
             <a:r>
-              <a:rPr lang="en-US" smtClean="0"/>
+              <a:rPr lang="en-US"/>
               <a:t>Click to edit Master text styles</a:t>
             </a:r>
           </a:p>
           <a:p>
             <a:pPr lvl="1"/>
             <a:r>
-              <a:rPr lang="en-US" smtClean="0"/>
+              <a:rPr lang="en-US"/>
               <a:t>Second level</a:t>
             </a:r>
           </a:p>
           <a:p>
             <a:pPr lvl="2"/>
             <a:r>
-              <a:rPr lang="en-US" smtClean="0"/>
+              <a:rPr lang="en-US"/>
               <a:t>Third level</a:t>
             </a:r>
           </a:p>
           <a:p>
             <a:pPr lvl="3"/>
             <a:r>
-              <a:rPr lang="en-US" smtClean="0"/>
+              <a:rPr lang="en-US"/>
               <a:t>Fourth level</a:t>
             </a:r>
           </a:p>
           <a:p>
             <a:pPr lvl="4"/>
             <a:r>
-              <a:rPr lang="en-US" smtClean="0"/>
+              <a:rPr lang="en-US"/>
               <a:t>Fifth level</a:t>
             </a:r>
             <a:endParaRPr lang="en-US" dirty="0"/>
@@ -4531,7 +4482,7 @@
           <a:p>
             <a:pPr lvl="0"/>
             <a:r>
-              <a:rPr lang="en-US" smtClean="0"/>
+              <a:rPr lang="en-US"/>
               <a:t>Click to edit Master text styles</a:t>
             </a:r>
           </a:p>
@@ -4554,7 +4505,7 @@
           <a:p>
             <a:fld id="{1BE13773-BB57-B443-B397-F0056848312E}" type="datetimeFigureOut">
               <a:rPr lang="en-US" smtClean="0"/>
-              <a:t>10/31/16</a:t>
+              <a:t>03-Apr-18</a:t>
             </a:fld>
             <a:endParaRPr lang="en-US"/>
           </a:p>
@@ -4657,7 +4608,7 @@
           </a:lstStyle>
           <a:p>
             <a:r>
-              <a:rPr lang="en-US" smtClean="0"/>
+              <a:rPr lang="en-US"/>
               <a:t>Click to edit Master title style</a:t>
             </a:r>
             <a:endParaRPr lang="en-US" dirty="0"/>
@@ -4722,7 +4673,7 @@
           </a:lstStyle>
           <a:p>
             <a:r>
-              <a:rPr lang="en-US" smtClean="0"/>
+              <a:rPr lang="en-US"/>
               <a:t>Drag picture to placeholder or click icon to add</a:t>
             </a:r>
             <a:endParaRPr lang="en-US" dirty="0"/>
@@ -4788,7 +4739,7 @@
           <a:p>
             <a:pPr lvl="0"/>
             <a:r>
-              <a:rPr lang="en-US" smtClean="0"/>
+              <a:rPr lang="en-US"/>
               <a:t>Click to edit Master text styles</a:t>
             </a:r>
           </a:p>
@@ -4811,7 +4762,7 @@
           <a:p>
             <a:fld id="{1BE13773-BB57-B443-B397-F0056848312E}" type="datetimeFigureOut">
               <a:rPr lang="en-US" smtClean="0"/>
-              <a:t>10/31/16</a:t>
+              <a:t>03-Apr-18</a:t>
             </a:fld>
             <a:endParaRPr lang="en-US"/>
           </a:p>
@@ -4920,7 +4871,7 @@
           <a:lstStyle/>
           <a:p>
             <a:r>
-              <a:rPr lang="en-US" smtClean="0"/>
+              <a:rPr lang="en-US"/>
               <a:t>Click to edit Master title style</a:t>
             </a:r>
             <a:endParaRPr lang="en-US" dirty="0"/>
@@ -4954,35 +4905,35 @@
           <a:p>
             <a:pPr lvl="0"/>
             <a:r>
-              <a:rPr lang="en-US" smtClean="0"/>
+              <a:rPr lang="en-US"/>
               <a:t>Click to edit Master text styles</a:t>
             </a:r>
           </a:p>
           <a:p>
             <a:pPr lvl="1"/>
             <a:r>
-              <a:rPr lang="en-US" smtClean="0"/>
+              <a:rPr lang="en-US"/>
               <a:t>Second level</a:t>
             </a:r>
           </a:p>
           <a:p>
             <a:pPr lvl="2"/>
             <a:r>
-              <a:rPr lang="en-US" smtClean="0"/>
+              <a:rPr lang="en-US"/>
               <a:t>Third level</a:t>
             </a:r>
           </a:p>
           <a:p>
             <a:pPr lvl="3"/>
             <a:r>
-              <a:rPr lang="en-US" smtClean="0"/>
+              <a:rPr lang="en-US"/>
               <a:t>Fourth level</a:t>
             </a:r>
           </a:p>
           <a:p>
             <a:pPr lvl="4"/>
             <a:r>
-              <a:rPr lang="en-US" smtClean="0"/>
+              <a:rPr lang="en-US"/>
               <a:t>Fifth level</a:t>
             </a:r>
             <a:endParaRPr lang="en-US" dirty="0"/>
@@ -5024,7 +4975,7 @@
           <a:p>
             <a:fld id="{1BE13773-BB57-B443-B397-F0056848312E}" type="datetimeFigureOut">
               <a:rPr lang="en-US" smtClean="0"/>
-              <a:t>10/31/16</a:t>
+              <a:t>03-Apr-18</a:t>
             </a:fld>
             <a:endParaRPr lang="en-US"/>
           </a:p>
@@ -5500,10 +5451,9 @@
           <a:lstStyle/>
           <a:p>
             <a:r>
-              <a:rPr lang="en-US" b="1" dirty="0" smtClean="0"/>
+              <a:rPr lang="en-US" b="1" dirty="0"/>
               <a:t>Client Name</a:t>
             </a:r>
-            <a:endParaRPr lang="en-US" b="1" dirty="0"/>
           </a:p>
         </p:txBody>
       </p:sp>
@@ -5616,10 +5566,9 @@
           <a:lstStyle/>
           <a:p>
             <a:r>
-              <a:rPr lang="en-US" sz="1200" b="1" dirty="0" smtClean="0"/>
+              <a:rPr lang="en-US" sz="1200" b="1" dirty="0"/>
               <a:t>PERFORMANCE SUMMARY</a:t>
             </a:r>
-            <a:endParaRPr lang="en-US" sz="1200" b="1" dirty="0"/>
           </a:p>
         </p:txBody>
       </p:sp>
@@ -5646,10 +5595,9 @@
           <a:lstStyle/>
           <a:p>
             <a:r>
-              <a:rPr lang="en-AU" sz="2800" b="1" dirty="0" smtClean="0"/>
+              <a:rPr lang="en-AU" sz="2800" b="1" dirty="0"/>
               <a:t>18,061</a:t>
             </a:r>
-            <a:endParaRPr lang="en-AU" sz="2800" b="1" dirty="0"/>
           </a:p>
         </p:txBody>
       </p:sp>
@@ -5712,10 +5660,9 @@
           <a:lstStyle/>
           <a:p>
             <a:r>
-              <a:rPr lang="en-US" sz="1200" b="1" dirty="0" smtClean="0"/>
+              <a:rPr lang="en-US" sz="1200" b="1" dirty="0"/>
               <a:t>Impressions</a:t>
             </a:r>
-            <a:endParaRPr lang="en-US" sz="1200" b="1" dirty="0"/>
           </a:p>
         </p:txBody>
       </p:sp>
@@ -5782,18 +5729,17 @@
           <a:lstStyle/>
           <a:p>
             <a:r>
-              <a:rPr lang="en-AU" sz="800" dirty="0" smtClean="0"/>
+              <a:rPr lang="en-AU" sz="800" dirty="0"/>
               <a:t>25% vs </a:t>
             </a:r>
             <a:r>
-              <a:rPr lang="en-AU" sz="800" dirty="0" err="1" smtClean="0"/>
+              <a:rPr lang="en-AU" sz="800" dirty="0" err="1"/>
               <a:t>prev</a:t>
             </a:r>
             <a:r>
-              <a:rPr lang="en-AU" sz="800" dirty="0" smtClean="0"/>
+              <a:rPr lang="en-AU" sz="800" dirty="0"/>
               <a:t> period</a:t>
             </a:r>
-            <a:endParaRPr lang="en-AU" sz="800" dirty="0"/>
           </a:p>
         </p:txBody>
       </p:sp>
@@ -5820,10 +5766,9 @@
           <a:lstStyle/>
           <a:p>
             <a:r>
-              <a:rPr lang="en-AU" sz="2800" b="1" dirty="0" smtClean="0"/>
+              <a:rPr lang="en-AU" sz="2800" b="1" dirty="0"/>
               <a:t>985</a:t>
             </a:r>
-            <a:endParaRPr lang="en-AU" sz="2800" b="1" dirty="0"/>
           </a:p>
         </p:txBody>
       </p:sp>
@@ -5850,10 +5795,9 @@
           <a:lstStyle/>
           <a:p>
             <a:r>
-              <a:rPr lang="en-US" sz="1200" b="1" dirty="0" smtClean="0"/>
+              <a:rPr lang="en-US" sz="1200" b="1" dirty="0"/>
               <a:t>Clicks</a:t>
             </a:r>
-            <a:endParaRPr lang="en-US" sz="1200" b="1" dirty="0"/>
           </a:p>
         </p:txBody>
       </p:sp>
@@ -5920,20 +5864,19 @@
           <a:lstStyle/>
           <a:p>
             <a:r>
-              <a:rPr lang="en-AU" sz="800" dirty="0" smtClean="0"/>
+              <a:rPr lang="en-AU" sz="800" dirty="0"/>
               <a:t>15% vs </a:t>
             </a:r>
           </a:p>
           <a:p>
             <a:r>
-              <a:rPr lang="en-AU" sz="800" dirty="0" err="1" smtClean="0"/>
+              <a:rPr lang="en-AU" sz="800" dirty="0" err="1"/>
               <a:t>prev</a:t>
             </a:r>
             <a:r>
-              <a:rPr lang="en-AU" sz="800" dirty="0" smtClean="0"/>
+              <a:rPr lang="en-AU" sz="800" dirty="0"/>
               <a:t> period</a:t>
             </a:r>
-            <a:endParaRPr lang="en-AU" sz="800" dirty="0"/>
           </a:p>
         </p:txBody>
       </p:sp>
@@ -5996,10 +5939,9 @@
           <a:lstStyle/>
           <a:p>
             <a:r>
-              <a:rPr lang="en-AU" sz="2800" b="1" dirty="0" smtClean="0"/>
+              <a:rPr lang="en-AU" sz="2800" b="1" dirty="0"/>
               <a:t>33.5%</a:t>
             </a:r>
-            <a:endParaRPr lang="en-AU" sz="2800" b="1" dirty="0"/>
           </a:p>
         </p:txBody>
       </p:sp>
@@ -6026,7 +5968,7 @@
           <a:lstStyle/>
           <a:p>
             <a:r>
-              <a:rPr lang="en-US" sz="1200" b="1" smtClean="0"/>
+              <a:rPr lang="en-US" sz="1200" b="1"/>
               <a:t>Impression Share</a:t>
             </a:r>
             <a:endParaRPr lang="en-US" sz="1200" b="1" dirty="0"/>
@@ -6096,18 +6038,17 @@
           <a:lstStyle/>
           <a:p>
             <a:r>
-              <a:rPr lang="en-AU" sz="800" dirty="0" smtClean="0"/>
+              <a:rPr lang="en-AU" sz="800" dirty="0"/>
               <a:t>15% vs </a:t>
             </a:r>
             <a:r>
-              <a:rPr lang="en-AU" sz="800" dirty="0" err="1" smtClean="0"/>
+              <a:rPr lang="en-AU" sz="800" dirty="0" err="1"/>
               <a:t>prev</a:t>
             </a:r>
             <a:r>
-              <a:rPr lang="en-AU" sz="800" dirty="0" smtClean="0"/>
+              <a:rPr lang="en-AU" sz="800" dirty="0"/>
               <a:t> period</a:t>
             </a:r>
-            <a:endParaRPr lang="en-AU" sz="800" dirty="0"/>
           </a:p>
         </p:txBody>
       </p:sp>
@@ -6170,10 +6111,9 @@
           <a:lstStyle/>
           <a:p>
             <a:r>
-              <a:rPr lang="en-AU" sz="2800" b="1" dirty="0" smtClean="0"/>
+              <a:rPr lang="en-AU" sz="2800" b="1" dirty="0"/>
               <a:t>300</a:t>
             </a:r>
-            <a:endParaRPr lang="en-AU" sz="2800" b="1" dirty="0"/>
           </a:p>
         </p:txBody>
       </p:sp>
@@ -6200,10 +6140,9 @@
           <a:lstStyle/>
           <a:p>
             <a:r>
-              <a:rPr lang="en-US" sz="1200" b="1" dirty="0" smtClean="0"/>
+              <a:rPr lang="en-US" sz="1200" b="1" dirty="0"/>
               <a:t>Calls</a:t>
             </a:r>
-            <a:endParaRPr lang="en-US" sz="1200" b="1" dirty="0"/>
           </a:p>
         </p:txBody>
       </p:sp>
@@ -6270,20 +6209,19 @@
           <a:lstStyle/>
           <a:p>
             <a:r>
-              <a:rPr lang="en-AU" sz="800" dirty="0" smtClean="0"/>
+              <a:rPr lang="en-AU" sz="800" dirty="0"/>
               <a:t>15% vs </a:t>
             </a:r>
           </a:p>
           <a:p>
             <a:r>
-              <a:rPr lang="en-AU" sz="800" dirty="0" err="1" smtClean="0"/>
+              <a:rPr lang="en-AU" sz="800" dirty="0" err="1"/>
               <a:t>prev</a:t>
             </a:r>
             <a:r>
-              <a:rPr lang="en-AU" sz="800" dirty="0" smtClean="0"/>
+              <a:rPr lang="en-AU" sz="800" dirty="0"/>
               <a:t> period</a:t>
             </a:r>
-            <a:endParaRPr lang="en-AU" sz="800" dirty="0"/>
           </a:p>
         </p:txBody>
       </p:sp>
@@ -6390,18 +6328,90 @@
                 <a:tableStyleId>{073A0DAA-6AF3-43AB-8588-CEC1D06C72B9}</a:tableStyleId>
               </a:tblPr>
               <a:tblGrid>
-                <a:gridCol w="1395947"/>
-                <a:gridCol w="539646"/>
-                <a:gridCol w="899410"/>
-                <a:gridCol w="659567"/>
-                <a:gridCol w="659730"/>
-                <a:gridCol w="830860"/>
-                <a:gridCol w="830860"/>
-                <a:gridCol w="830860"/>
-                <a:gridCol w="830860"/>
-                <a:gridCol w="830860"/>
-                <a:gridCol w="830860"/>
-                <a:gridCol w="830860"/>
+                <a:gridCol w="1395947">
+                  <a:extLst>
+                    <a:ext uri="{9D8B030D-6E8A-4147-A177-3AD203B41FA5}">
+                      <a16:colId xmlns:a16="http://schemas.microsoft.com/office/drawing/2014/main" val="20000"/>
+                    </a:ext>
+                  </a:extLst>
+                </a:gridCol>
+                <a:gridCol w="539646">
+                  <a:extLst>
+                    <a:ext uri="{9D8B030D-6E8A-4147-A177-3AD203B41FA5}">
+                      <a16:colId xmlns:a16="http://schemas.microsoft.com/office/drawing/2014/main" val="20001"/>
+                    </a:ext>
+                  </a:extLst>
+                </a:gridCol>
+                <a:gridCol w="899410">
+                  <a:extLst>
+                    <a:ext uri="{9D8B030D-6E8A-4147-A177-3AD203B41FA5}">
+                      <a16:colId xmlns:a16="http://schemas.microsoft.com/office/drawing/2014/main" val="20002"/>
+                    </a:ext>
+                  </a:extLst>
+                </a:gridCol>
+                <a:gridCol w="659567">
+                  <a:extLst>
+                    <a:ext uri="{9D8B030D-6E8A-4147-A177-3AD203B41FA5}">
+                      <a16:colId xmlns:a16="http://schemas.microsoft.com/office/drawing/2014/main" val="20003"/>
+                    </a:ext>
+                  </a:extLst>
+                </a:gridCol>
+                <a:gridCol w="659730">
+                  <a:extLst>
+                    <a:ext uri="{9D8B030D-6E8A-4147-A177-3AD203B41FA5}">
+                      <a16:colId xmlns:a16="http://schemas.microsoft.com/office/drawing/2014/main" val="20004"/>
+                    </a:ext>
+                  </a:extLst>
+                </a:gridCol>
+                <a:gridCol w="830860">
+                  <a:extLst>
+                    <a:ext uri="{9D8B030D-6E8A-4147-A177-3AD203B41FA5}">
+                      <a16:colId xmlns:a16="http://schemas.microsoft.com/office/drawing/2014/main" val="20005"/>
+                    </a:ext>
+                  </a:extLst>
+                </a:gridCol>
+                <a:gridCol w="830860">
+                  <a:extLst>
+                    <a:ext uri="{9D8B030D-6E8A-4147-A177-3AD203B41FA5}">
+                      <a16:colId xmlns:a16="http://schemas.microsoft.com/office/drawing/2014/main" val="20006"/>
+                    </a:ext>
+                  </a:extLst>
+                </a:gridCol>
+                <a:gridCol w="830860">
+                  <a:extLst>
+                    <a:ext uri="{9D8B030D-6E8A-4147-A177-3AD203B41FA5}">
+                      <a16:colId xmlns:a16="http://schemas.microsoft.com/office/drawing/2014/main" val="20007"/>
+                    </a:ext>
+                  </a:extLst>
+                </a:gridCol>
+                <a:gridCol w="830860">
+                  <a:extLst>
+                    <a:ext uri="{9D8B030D-6E8A-4147-A177-3AD203B41FA5}">
+                      <a16:colId xmlns:a16="http://schemas.microsoft.com/office/drawing/2014/main" val="20008"/>
+                    </a:ext>
+                  </a:extLst>
+                </a:gridCol>
+                <a:gridCol w="830860">
+                  <a:extLst>
+                    <a:ext uri="{9D8B030D-6E8A-4147-A177-3AD203B41FA5}">
+                      <a16:colId xmlns:a16="http://schemas.microsoft.com/office/drawing/2014/main" val="20009"/>
+                    </a:ext>
+                  </a:extLst>
+                </a:gridCol>
+                <a:gridCol w="830860">
+                  <a:extLst>
+                    <a:ext uri="{9D8B030D-6E8A-4147-A177-3AD203B41FA5}">
+                      <a16:colId xmlns:a16="http://schemas.microsoft.com/office/drawing/2014/main" val="20010"/>
+                    </a:ext>
+                  </a:extLst>
+                </a:gridCol>
+                <a:gridCol w="830860">
+                  <a:extLst>
+                    <a:ext uri="{9D8B030D-6E8A-4147-A177-3AD203B41FA5}">
+                      <a16:colId xmlns:a16="http://schemas.microsoft.com/office/drawing/2014/main" val="20011"/>
+                    </a:ext>
+                  </a:extLst>
+                </a:gridCol>
               </a:tblGrid>
               <a:tr h="303132">
                 <a:tc>
@@ -6410,13 +6420,118 @@
                     <a:lstStyle/>
                     <a:p>
                       <a:r>
-                        <a:rPr lang="en-AU" sz="800" dirty="0" smtClean="0"/>
+                        <a:rPr lang="en-AU" sz="800" dirty="0"/>
                         <a:t>Date</a:t>
                       </a:r>
+                    </a:p>
+                  </a:txBody>
+                  <a:tcPr/>
+                </a:tc>
+                <a:tc>
+                  <a:txBody>
+                    <a:bodyPr/>
+                    <a:lstStyle/>
+                    <a:p>
+                      <a:pPr algn="ctr"/>
+                      <a:r>
+                        <a:rPr lang="en-AU" sz="800" dirty="0"/>
+                        <a:t>Spent</a:t>
+                      </a:r>
+                    </a:p>
+                  </a:txBody>
+                  <a:tcPr anchor="ctr"/>
+                </a:tc>
+                <a:tc>
+                  <a:txBody>
+                    <a:bodyPr/>
+                    <a:lstStyle/>
+                    <a:p>
+                      <a:pPr algn="ctr"/>
+                      <a:r>
+                        <a:rPr lang="en-AU" sz="800" dirty="0"/>
+                        <a:t>Impressions</a:t>
+                      </a:r>
+                    </a:p>
+                  </a:txBody>
+                  <a:tcPr anchor="ctr"/>
+                </a:tc>
+                <a:tc>
+                  <a:txBody>
+                    <a:bodyPr/>
+                    <a:lstStyle/>
+                    <a:p>
+                      <a:pPr algn="ctr"/>
+                      <a:r>
+                        <a:rPr lang="en-AU" sz="800" dirty="0"/>
+                        <a:t>Visits</a:t>
+                      </a:r>
+                    </a:p>
+                  </a:txBody>
+                  <a:tcPr anchor="ctr"/>
+                </a:tc>
+                <a:tc>
+                  <a:txBody>
+                    <a:bodyPr/>
+                    <a:lstStyle/>
+                    <a:p>
+                      <a:pPr algn="ctr"/>
+                      <a:r>
+                        <a:rPr lang="en-AU" sz="800" dirty="0"/>
+                        <a:t>CPC</a:t>
+                      </a:r>
+                    </a:p>
+                  </a:txBody>
+                  <a:tcPr anchor="ctr"/>
+                </a:tc>
+                <a:tc>
+                  <a:txBody>
+                    <a:bodyPr/>
+                    <a:lstStyle/>
+                    <a:p>
+                      <a:pPr algn="ctr"/>
+                      <a:r>
+                        <a:rPr lang="en-AU" sz="800" dirty="0"/>
+                        <a:t>CTR</a:t>
+                      </a:r>
+                    </a:p>
+                  </a:txBody>
+                  <a:tcPr anchor="ctr"/>
+                </a:tc>
+                <a:tc>
+                  <a:txBody>
+                    <a:bodyPr/>
+                    <a:lstStyle/>
+                    <a:p>
+                      <a:pPr algn="ctr"/>
+                      <a:r>
+                        <a:rPr lang="en-AU" sz="800" dirty="0"/>
+                        <a:t>Calls</a:t>
+                      </a:r>
+                    </a:p>
+                  </a:txBody>
+                  <a:tcPr anchor="ctr"/>
+                </a:tc>
+                <a:tc>
+                  <a:txBody>
+                    <a:bodyPr/>
+                    <a:lstStyle/>
+                    <a:p>
+                      <a:pPr algn="ctr"/>
+                      <a:r>
+                        <a:rPr lang="en-AU" sz="800" dirty="0"/>
+                        <a:t>Other</a:t>
+                      </a:r>
+                    </a:p>
+                    <a:p>
+                      <a:pPr algn="ctr"/>
+                      <a:r>
+                        <a:rPr lang="en-AU" sz="800" dirty="0" err="1"/>
+                        <a:t>Conv</a:t>
+                      </a:r>
                       <a:endParaRPr lang="en-AU" sz="800" dirty="0"/>
                     </a:p>
                   </a:txBody>
-                  <a:tcPr/>
+                  <a:tcPr anchor="ctr"/>
                 </a:tc>
                 <a:tc>
                   <a:txBody>
@@ -6425,8 +6540,12 @@
                     <a:p>
                       <a:pPr algn="ctr"/>
                       <a:r>
-                        <a:rPr lang="en-AU" sz="800" dirty="0" smtClean="0"/>
-                        <a:t>Spent</a:t>
+                        <a:rPr lang="en-AU" sz="800" dirty="0"/>
+                        <a:t>Total </a:t>
+                      </a:r>
+                      <a:r>
+                        <a:rPr lang="en-AU" sz="800" dirty="0" err="1"/>
+                        <a:t>Conv</a:t>
                       </a:r>
                       <a:endParaRPr lang="en-AU" sz="800" dirty="0"/>
                     </a:p>
@@ -6440,10 +6559,9 @@
                     <a:p>
                       <a:pPr algn="ctr"/>
                       <a:r>
-                        <a:rPr lang="en-AU" sz="800" dirty="0" smtClean="0"/>
-                        <a:t>Impressions</a:t>
-                      </a:r>
-                      <a:endParaRPr lang="en-AU" sz="800" dirty="0"/>
+                        <a:rPr lang="en-AU" sz="800" dirty="0"/>
+                        <a:t>CPL</a:t>
+                      </a:r>
                     </a:p>
                   </a:txBody>
                   <a:tcPr anchor="ctr"/>
@@ -6455,10 +6573,13 @@
                     <a:p>
                       <a:pPr algn="ctr"/>
                       <a:r>
-                        <a:rPr lang="en-AU" sz="800" dirty="0" smtClean="0"/>
-                        <a:t>Visits</a:t>
-                      </a:r>
-                      <a:endParaRPr lang="en-AU" sz="800" dirty="0"/>
+                        <a:rPr lang="en-AU" sz="800" dirty="0" err="1"/>
+                        <a:t>Conv</a:t>
+                      </a:r>
+                      <a:r>
+                        <a:rPr lang="en-AU" sz="800" dirty="0"/>
+                        <a:t> Rate</a:t>
+                      </a:r>
                     </a:p>
                   </a:txBody>
                   <a:tcPr anchor="ctr"/>
@@ -6470,134 +6591,18 @@
                     <a:p>
                       <a:pPr algn="ctr"/>
                       <a:r>
-                        <a:rPr lang="en-AU" sz="800" dirty="0" smtClean="0"/>
-                        <a:t>CPC</a:t>
-                      </a:r>
-                      <a:endParaRPr lang="en-AU" sz="800" dirty="0"/>
+                        <a:rPr lang="en-AU" sz="800" dirty="0"/>
+                        <a:t>Ave Page Position</a:t>
+                      </a:r>
                     </a:p>
                   </a:txBody>
                   <a:tcPr anchor="ctr"/>
                 </a:tc>
-                <a:tc>
-                  <a:txBody>
-                    <a:bodyPr/>
-                    <a:lstStyle/>
-                    <a:p>
-                      <a:pPr algn="ctr"/>
-                      <a:r>
-                        <a:rPr lang="en-AU" sz="800" dirty="0" smtClean="0"/>
-                        <a:t>CTR</a:t>
-                      </a:r>
-                      <a:endParaRPr lang="en-AU" sz="800" dirty="0"/>
-                    </a:p>
-                  </a:txBody>
-                  <a:tcPr anchor="ctr"/>
-                </a:tc>
-                <a:tc>
-                  <a:txBody>
-                    <a:bodyPr/>
-                    <a:lstStyle/>
-                    <a:p>
-                      <a:pPr algn="ctr"/>
-                      <a:r>
-                        <a:rPr lang="en-AU" sz="800" dirty="0" smtClean="0"/>
-                        <a:t>Calls</a:t>
-                      </a:r>
-                      <a:endParaRPr lang="en-AU" sz="800" dirty="0"/>
-                    </a:p>
-                  </a:txBody>
-                  <a:tcPr anchor="ctr"/>
-                </a:tc>
-                <a:tc>
-                  <a:txBody>
-                    <a:bodyPr/>
-                    <a:lstStyle/>
-                    <a:p>
-                      <a:pPr algn="ctr"/>
-                      <a:r>
-                        <a:rPr lang="en-AU" sz="800" dirty="0" smtClean="0"/>
-                        <a:t>Other</a:t>
-                      </a:r>
-                    </a:p>
-                    <a:p>
-                      <a:pPr algn="ctr"/>
-                      <a:r>
-                        <a:rPr lang="en-AU" sz="800" dirty="0" err="1" smtClean="0"/>
-                        <a:t>Conv</a:t>
-                      </a:r>
-                      <a:endParaRPr lang="en-AU" sz="800" dirty="0"/>
-                    </a:p>
-                  </a:txBody>
-                  <a:tcPr anchor="ctr"/>
-                </a:tc>
-                <a:tc>
-                  <a:txBody>
-                    <a:bodyPr/>
-                    <a:lstStyle/>
-                    <a:p>
-                      <a:pPr algn="ctr"/>
-                      <a:r>
-                        <a:rPr lang="en-AU" sz="800" dirty="0" smtClean="0"/>
-                        <a:t>Total </a:t>
-                      </a:r>
-                      <a:r>
-                        <a:rPr lang="en-AU" sz="800" dirty="0" err="1" smtClean="0"/>
-                        <a:t>Conv</a:t>
-                      </a:r>
-                      <a:endParaRPr lang="en-AU" sz="800" dirty="0"/>
-                    </a:p>
-                  </a:txBody>
-                  <a:tcPr anchor="ctr"/>
-                </a:tc>
-                <a:tc>
-                  <a:txBody>
-                    <a:bodyPr/>
-                    <a:lstStyle/>
-                    <a:p>
-                      <a:pPr algn="ctr"/>
-                      <a:r>
-                        <a:rPr lang="en-AU" sz="800" dirty="0" smtClean="0"/>
-                        <a:t>CPL</a:t>
-                      </a:r>
-                      <a:endParaRPr lang="en-AU" sz="800" dirty="0"/>
-                    </a:p>
-                  </a:txBody>
-                  <a:tcPr anchor="ctr"/>
-                </a:tc>
-                <a:tc>
-                  <a:txBody>
-                    <a:bodyPr/>
-                    <a:lstStyle/>
-                    <a:p>
-                      <a:pPr algn="ctr"/>
-                      <a:r>
-                        <a:rPr lang="en-AU" sz="800" dirty="0" err="1" smtClean="0"/>
-                        <a:t>Conv</a:t>
-                      </a:r>
-                      <a:r>
-                        <a:rPr lang="en-AU" sz="800" dirty="0" smtClean="0"/>
-                        <a:t> Rate</a:t>
-                      </a:r>
-                      <a:endParaRPr lang="en-AU" sz="800" dirty="0"/>
-                    </a:p>
-                  </a:txBody>
-                  <a:tcPr anchor="ctr"/>
-                </a:tc>
-                <a:tc>
-                  <a:txBody>
-                    <a:bodyPr/>
-                    <a:lstStyle/>
-                    <a:p>
-                      <a:pPr algn="ctr"/>
-                      <a:r>
-                        <a:rPr lang="en-AU" sz="800" dirty="0" smtClean="0"/>
-                        <a:t>Ave Page Position</a:t>
-                      </a:r>
-                      <a:endParaRPr lang="en-AU" sz="800" dirty="0"/>
-                    </a:p>
-                  </a:txBody>
-                  <a:tcPr anchor="ctr"/>
-                </a:tc>
+                <a:extLst>
+                  <a:ext uri="{0D108BD9-81ED-4DB2-BD59-A6C34878D82A}">
+                    <a16:rowId xmlns:a16="http://schemas.microsoft.com/office/drawing/2014/main" val="10000"/>
+                  </a:ext>
+                </a:extLst>
               </a:tr>
               <a:tr h="234202">
                 <a:tc>
@@ -6606,11 +6611,11 @@
                     <a:lstStyle/>
                     <a:p>
                       <a:r>
-                        <a:rPr lang="en-AU" sz="700" dirty="0" smtClean="0"/>
+                        <a:rPr lang="en-AU" sz="700" dirty="0"/>
                         <a:t>1-Oct-2016</a:t>
                       </a:r>
                       <a:r>
-                        <a:rPr lang="en-AU" sz="700" baseline="0" dirty="0" smtClean="0"/>
+                        <a:rPr lang="en-AU" sz="700" baseline="0" dirty="0"/>
                         <a:t> – 31-Oct-2016</a:t>
                       </a:r>
                       <a:endParaRPr lang="en-AU" sz="700" dirty="0"/>
@@ -6625,10 +6630,9 @@
                     <a:p>
                       <a:pPr algn="ctr"/>
                       <a:r>
-                        <a:rPr lang="en-AU" sz="700" dirty="0" smtClean="0"/>
+                        <a:rPr lang="en-AU" sz="700" dirty="0"/>
                         <a:t>$1500</a:t>
                       </a:r>
-                      <a:endParaRPr lang="en-AU" sz="700" dirty="0"/>
                     </a:p>
                   </a:txBody>
                   <a:tcPr anchor="ctr"/>
@@ -6640,10 +6644,9 @@
                     <a:p>
                       <a:pPr algn="ctr"/>
                       <a:r>
-                        <a:rPr lang="en-AU" sz="700" dirty="0" smtClean="0"/>
+                        <a:rPr lang="en-AU" sz="700" dirty="0"/>
                         <a:t>18,061</a:t>
                       </a:r>
-                      <a:endParaRPr lang="en-AU" sz="700" dirty="0"/>
                     </a:p>
                   </a:txBody>
                   <a:tcPr anchor="ctr"/>
@@ -6655,10 +6658,9 @@
                     <a:p>
                       <a:pPr algn="ctr"/>
                       <a:r>
-                        <a:rPr lang="en-AU" sz="700" dirty="0" smtClean="0"/>
+                        <a:rPr lang="en-AU" sz="700" dirty="0"/>
                         <a:t>985</a:t>
                       </a:r>
-                      <a:endParaRPr lang="en-AU" sz="700" dirty="0"/>
                     </a:p>
                   </a:txBody>
                   <a:tcPr anchor="ctr"/>
@@ -6670,10 +6672,9 @@
                     <a:p>
                       <a:pPr algn="ctr"/>
                       <a:r>
-                        <a:rPr lang="en-AU" sz="700" dirty="0" smtClean="0"/>
+                        <a:rPr lang="en-AU" sz="700" dirty="0"/>
                         <a:t>$1.52</a:t>
                       </a:r>
-                      <a:endParaRPr lang="en-AU" sz="700" dirty="0"/>
                     </a:p>
                   </a:txBody>
                   <a:tcPr anchor="ctr"/>
@@ -6685,10 +6686,9 @@
                     <a:p>
                       <a:pPr algn="ctr"/>
                       <a:r>
-                        <a:rPr lang="en-AU" sz="700" dirty="0" smtClean="0"/>
+                        <a:rPr lang="en-AU" sz="700" dirty="0"/>
                         <a:t>0.89%</a:t>
                       </a:r>
-                      <a:endParaRPr lang="en-AU" sz="700" dirty="0"/>
                     </a:p>
                   </a:txBody>
                   <a:tcPr anchor="ctr"/>
@@ -6700,10 +6700,9 @@
                     <a:p>
                       <a:pPr algn="ctr"/>
                       <a:r>
-                        <a:rPr lang="en-AU" sz="700" dirty="0" smtClean="0"/>
+                        <a:rPr lang="en-AU" sz="700" dirty="0"/>
                         <a:t>300</a:t>
                       </a:r>
-                      <a:endParaRPr lang="en-AU" sz="700" dirty="0"/>
                     </a:p>
                   </a:txBody>
                   <a:tcPr anchor="ctr"/>
@@ -6715,10 +6714,9 @@
                     <a:p>
                       <a:pPr algn="ctr"/>
                       <a:r>
-                        <a:rPr lang="en-AU" sz="700" dirty="0" smtClean="0"/>
+                        <a:rPr lang="en-AU" sz="700" dirty="0"/>
                         <a:t>50</a:t>
                       </a:r>
-                      <a:endParaRPr lang="en-AU" sz="700" dirty="0"/>
                     </a:p>
                   </a:txBody>
                   <a:tcPr anchor="ctr"/>
@@ -6730,10 +6728,9 @@
                     <a:p>
                       <a:pPr algn="ctr"/>
                       <a:r>
-                        <a:rPr lang="en-AU" sz="700" dirty="0" smtClean="0"/>
+                        <a:rPr lang="en-AU" sz="700" dirty="0"/>
                         <a:t>350</a:t>
                       </a:r>
-                      <a:endParaRPr lang="en-AU" sz="700" dirty="0"/>
                     </a:p>
                   </a:txBody>
                   <a:tcPr anchor="ctr"/>
@@ -6745,10 +6742,9 @@
                     <a:p>
                       <a:pPr algn="ctr"/>
                       <a:r>
-                        <a:rPr lang="en-AU" sz="700" dirty="0" smtClean="0"/>
+                        <a:rPr lang="en-AU" sz="700" dirty="0"/>
                         <a:t>$6.99</a:t>
                       </a:r>
-                      <a:endParaRPr lang="en-AU" sz="700" dirty="0"/>
                     </a:p>
                   </a:txBody>
                   <a:tcPr anchor="ctr"/>
@@ -6760,10 +6756,9 @@
                     <a:p>
                       <a:pPr algn="ctr"/>
                       <a:r>
-                        <a:rPr lang="en-AU" sz="700" dirty="0" smtClean="0"/>
+                        <a:rPr lang="en-AU" sz="700" dirty="0"/>
                         <a:t>8.00%</a:t>
                       </a:r>
-                      <a:endParaRPr lang="en-AU" sz="700" dirty="0"/>
                     </a:p>
                   </a:txBody>
                   <a:tcPr anchor="ctr"/>
@@ -6775,14 +6770,18 @@
                     <a:p>
                       <a:pPr algn="ctr"/>
                       <a:r>
-                        <a:rPr lang="en-AU" sz="700" dirty="0" smtClean="0"/>
+                        <a:rPr lang="en-AU" sz="700" dirty="0"/>
                         <a:t>3.5</a:t>
                       </a:r>
-                      <a:endParaRPr lang="en-AU" sz="700" dirty="0"/>
                     </a:p>
                   </a:txBody>
                   <a:tcPr anchor="ctr"/>
                 </a:tc>
+                <a:extLst>
+                  <a:ext uri="{0D108BD9-81ED-4DB2-BD59-A6C34878D82A}">
+                    <a16:rowId xmlns:a16="http://schemas.microsoft.com/office/drawing/2014/main" val="10001"/>
+                  </a:ext>
+                </a:extLst>
               </a:tr>
               <a:tr h="234202">
                 <a:tc>
@@ -6791,11 +6790,11 @@
                     <a:lstStyle/>
                     <a:p>
                       <a:r>
-                        <a:rPr lang="en-AU" sz="700" dirty="0" smtClean="0"/>
+                        <a:rPr lang="en-AU" sz="700" dirty="0"/>
                         <a:t>1-Sep-2016</a:t>
                       </a:r>
                       <a:r>
-                        <a:rPr lang="en-AU" sz="700" baseline="0" dirty="0" smtClean="0"/>
+                        <a:rPr lang="en-AU" sz="700" baseline="0" dirty="0"/>
                         <a:t> – 30-Sep-2016</a:t>
                       </a:r>
                       <a:endParaRPr lang="en-AU" sz="700" dirty="0"/>
@@ -6810,10 +6809,9 @@
                     <a:p>
                       <a:pPr algn="ctr"/>
                       <a:r>
-                        <a:rPr lang="en-AU" sz="700" dirty="0" smtClean="0"/>
+                        <a:rPr lang="en-AU" sz="700" dirty="0"/>
                         <a:t>$1500</a:t>
                       </a:r>
-                      <a:endParaRPr lang="en-AU" sz="700" dirty="0"/>
                     </a:p>
                   </a:txBody>
                   <a:tcPr anchor="ctr"/>
@@ -6825,10 +6823,9 @@
                     <a:p>
                       <a:pPr algn="ctr"/>
                       <a:r>
-                        <a:rPr lang="en-AU" sz="700" dirty="0" smtClean="0"/>
+                        <a:rPr lang="en-AU" sz="700" dirty="0"/>
                         <a:t>18,061</a:t>
                       </a:r>
-                      <a:endParaRPr lang="en-AU" sz="700" dirty="0"/>
                     </a:p>
                   </a:txBody>
                   <a:tcPr anchor="ctr"/>
@@ -6840,10 +6837,9 @@
                     <a:p>
                       <a:pPr algn="ctr"/>
                       <a:r>
-                        <a:rPr lang="en-AU" sz="700" dirty="0" smtClean="0"/>
+                        <a:rPr lang="en-AU" sz="700" dirty="0"/>
                         <a:t>985</a:t>
                       </a:r>
-                      <a:endParaRPr lang="en-AU" sz="700" dirty="0"/>
                     </a:p>
                   </a:txBody>
                   <a:tcPr anchor="ctr"/>
@@ -6855,10 +6851,9 @@
                     <a:p>
                       <a:pPr algn="ctr"/>
                       <a:r>
-                        <a:rPr lang="en-AU" sz="700" dirty="0" smtClean="0"/>
+                        <a:rPr lang="en-AU" sz="700" dirty="0"/>
                         <a:t>$1.52</a:t>
                       </a:r>
-                      <a:endParaRPr lang="en-AU" sz="700" dirty="0"/>
                     </a:p>
                   </a:txBody>
                   <a:tcPr anchor="ctr"/>
@@ -6870,10 +6865,9 @@
                     <a:p>
                       <a:pPr algn="ctr"/>
                       <a:r>
-                        <a:rPr lang="en-AU" sz="700" dirty="0" smtClean="0"/>
+                        <a:rPr lang="en-AU" sz="700" dirty="0"/>
                         <a:t>0.89%</a:t>
                       </a:r>
-                      <a:endParaRPr lang="en-AU" sz="700" dirty="0"/>
                     </a:p>
                   </a:txBody>
                   <a:tcPr anchor="ctr"/>
@@ -6885,10 +6879,9 @@
                     <a:p>
                       <a:pPr algn="ctr"/>
                       <a:r>
-                        <a:rPr lang="en-AU" sz="700" dirty="0" smtClean="0"/>
+                        <a:rPr lang="en-AU" sz="700" dirty="0"/>
                         <a:t>300</a:t>
                       </a:r>
-                      <a:endParaRPr lang="en-AU" sz="700" dirty="0"/>
                     </a:p>
                   </a:txBody>
                   <a:tcPr anchor="ctr"/>
@@ -6900,10 +6893,9 @@
                     <a:p>
                       <a:pPr algn="ctr"/>
                       <a:r>
-                        <a:rPr lang="en-AU" sz="700" dirty="0" smtClean="0"/>
+                        <a:rPr lang="en-AU" sz="700" dirty="0"/>
                         <a:t>50</a:t>
                       </a:r>
-                      <a:endParaRPr lang="en-AU" sz="700" dirty="0"/>
                     </a:p>
                   </a:txBody>
                   <a:tcPr anchor="ctr"/>
@@ -6915,10 +6907,9 @@
                     <a:p>
                       <a:pPr algn="ctr"/>
                       <a:r>
-                        <a:rPr lang="en-AU" sz="700" dirty="0" smtClean="0"/>
+                        <a:rPr lang="en-AU" sz="700" dirty="0"/>
                         <a:t>350</a:t>
                       </a:r>
-                      <a:endParaRPr lang="en-AU" sz="700" dirty="0"/>
                     </a:p>
                   </a:txBody>
                   <a:tcPr anchor="ctr"/>
@@ -6930,10 +6921,9 @@
                     <a:p>
                       <a:pPr algn="ctr"/>
                       <a:r>
-                        <a:rPr lang="en-AU" sz="700" dirty="0" smtClean="0"/>
+                        <a:rPr lang="en-AU" sz="700" dirty="0"/>
                         <a:t>$9.99</a:t>
                       </a:r>
-                      <a:endParaRPr lang="en-AU" sz="700" dirty="0"/>
                     </a:p>
                   </a:txBody>
                   <a:tcPr anchor="ctr"/>
@@ -6945,10 +6935,9 @@
                     <a:p>
                       <a:pPr algn="ctr"/>
                       <a:r>
-                        <a:rPr lang="en-AU" sz="700" dirty="0" smtClean="0"/>
+                        <a:rPr lang="en-AU" sz="700" dirty="0"/>
                         <a:t>8.00%</a:t>
                       </a:r>
-                      <a:endParaRPr lang="en-AU" sz="700" dirty="0"/>
                     </a:p>
                   </a:txBody>
                   <a:tcPr anchor="ctr"/>
@@ -6960,14 +6949,18 @@
                     <a:p>
                       <a:pPr algn="ctr"/>
                       <a:r>
-                        <a:rPr lang="en-AU" sz="700" dirty="0" smtClean="0"/>
+                        <a:rPr lang="en-AU" sz="700" dirty="0"/>
                         <a:t>3.5</a:t>
                       </a:r>
-                      <a:endParaRPr lang="en-AU" sz="700" dirty="0"/>
                     </a:p>
                   </a:txBody>
                   <a:tcPr anchor="ctr"/>
                 </a:tc>
+                <a:extLst>
+                  <a:ext uri="{0D108BD9-81ED-4DB2-BD59-A6C34878D82A}">
+                    <a16:rowId xmlns:a16="http://schemas.microsoft.com/office/drawing/2014/main" val="10002"/>
+                  </a:ext>
+                </a:extLst>
               </a:tr>
               <a:tr h="234202">
                 <a:tc>
@@ -6976,11 +6969,11 @@
                     <a:lstStyle/>
                     <a:p>
                       <a:r>
-                        <a:rPr lang="en-AU" sz="700" dirty="0" smtClean="0"/>
+                        <a:rPr lang="en-AU" sz="700" dirty="0"/>
                         <a:t>1-Aug-2016</a:t>
                       </a:r>
                       <a:r>
-                        <a:rPr lang="en-AU" sz="700" baseline="0" dirty="0" smtClean="0"/>
+                        <a:rPr lang="en-AU" sz="700" baseline="0" dirty="0"/>
                         <a:t> – 31-Aug-2016</a:t>
                       </a:r>
                       <a:endParaRPr lang="en-AU" sz="700" dirty="0"/>
@@ -6995,10 +6988,9 @@
                     <a:p>
                       <a:pPr algn="ctr"/>
                       <a:r>
-                        <a:rPr lang="en-AU" sz="700" dirty="0" smtClean="0"/>
+                        <a:rPr lang="en-AU" sz="700" dirty="0"/>
                         <a:t>$1500</a:t>
                       </a:r>
-                      <a:endParaRPr lang="en-AU" sz="700" dirty="0"/>
                     </a:p>
                   </a:txBody>
                   <a:tcPr anchor="ctr"/>
@@ -7010,10 +7002,9 @@
                     <a:p>
                       <a:pPr algn="ctr"/>
                       <a:r>
-                        <a:rPr lang="en-AU" sz="700" dirty="0" smtClean="0"/>
+                        <a:rPr lang="en-AU" sz="700" dirty="0"/>
                         <a:t>18,061</a:t>
                       </a:r>
-                      <a:endParaRPr lang="en-AU" sz="700" dirty="0"/>
                     </a:p>
                   </a:txBody>
                   <a:tcPr anchor="ctr"/>
@@ -7025,10 +7016,9 @@
                     <a:p>
                       <a:pPr algn="ctr"/>
                       <a:r>
-                        <a:rPr lang="en-AU" sz="700" dirty="0" smtClean="0"/>
+                        <a:rPr lang="en-AU" sz="700" dirty="0"/>
                         <a:t>985</a:t>
                       </a:r>
-                      <a:endParaRPr lang="en-AU" sz="700" dirty="0"/>
                     </a:p>
                   </a:txBody>
                   <a:tcPr anchor="ctr"/>
@@ -7040,10 +7030,9 @@
                     <a:p>
                       <a:pPr algn="ctr"/>
                       <a:r>
-                        <a:rPr lang="en-AU" sz="700" dirty="0" smtClean="0"/>
+                        <a:rPr lang="en-AU" sz="700" dirty="0"/>
                         <a:t>$1.52</a:t>
                       </a:r>
-                      <a:endParaRPr lang="en-AU" sz="700" dirty="0"/>
                     </a:p>
                   </a:txBody>
                   <a:tcPr anchor="ctr"/>
@@ -7055,10 +7044,9 @@
                     <a:p>
                       <a:pPr algn="ctr"/>
                       <a:r>
-                        <a:rPr lang="en-AU" sz="700" dirty="0" smtClean="0"/>
+                        <a:rPr lang="en-AU" sz="700" dirty="0"/>
                         <a:t>0.89%</a:t>
                       </a:r>
-                      <a:endParaRPr lang="en-AU" sz="700" dirty="0"/>
                     </a:p>
                   </a:txBody>
                   <a:tcPr anchor="ctr"/>
@@ -7070,10 +7058,9 @@
                     <a:p>
                       <a:pPr algn="ctr"/>
                       <a:r>
-                        <a:rPr lang="en-AU" sz="700" dirty="0" smtClean="0"/>
+                        <a:rPr lang="en-AU" sz="700" dirty="0"/>
                         <a:t>300</a:t>
                       </a:r>
-                      <a:endParaRPr lang="en-AU" sz="700" dirty="0"/>
                     </a:p>
                   </a:txBody>
                   <a:tcPr anchor="ctr"/>
@@ -7085,10 +7072,9 @@
                     <a:p>
                       <a:pPr algn="ctr"/>
                       <a:r>
-                        <a:rPr lang="en-AU" sz="700" dirty="0" smtClean="0"/>
+                        <a:rPr lang="en-AU" sz="700" dirty="0"/>
                         <a:t>50</a:t>
                       </a:r>
-                      <a:endParaRPr lang="en-AU" sz="700" dirty="0"/>
                     </a:p>
                   </a:txBody>
                   <a:tcPr anchor="ctr"/>
@@ -7100,10 +7086,9 @@
                     <a:p>
                       <a:pPr algn="ctr"/>
                       <a:r>
-                        <a:rPr lang="en-AU" sz="700" dirty="0" smtClean="0"/>
+                        <a:rPr lang="en-AU" sz="700" dirty="0"/>
                         <a:t>350</a:t>
                       </a:r>
-                      <a:endParaRPr lang="en-AU" sz="700" dirty="0"/>
                     </a:p>
                   </a:txBody>
                   <a:tcPr anchor="ctr"/>
@@ -7115,10 +7100,9 @@
                     <a:p>
                       <a:pPr algn="ctr"/>
                       <a:r>
-                        <a:rPr lang="en-AU" sz="700" dirty="0" smtClean="0"/>
+                        <a:rPr lang="en-AU" sz="700" dirty="0"/>
                         <a:t>$4.99</a:t>
                       </a:r>
-                      <a:endParaRPr lang="en-AU" sz="700" dirty="0"/>
                     </a:p>
                   </a:txBody>
                   <a:tcPr anchor="ctr"/>
@@ -7130,10 +7114,9 @@
                     <a:p>
                       <a:pPr algn="ctr"/>
                       <a:r>
-                        <a:rPr lang="en-AU" sz="700" dirty="0" smtClean="0"/>
+                        <a:rPr lang="en-AU" sz="700" dirty="0"/>
                         <a:t>8.00%</a:t>
                       </a:r>
-                      <a:endParaRPr lang="en-AU" sz="700" dirty="0"/>
                     </a:p>
                   </a:txBody>
                   <a:tcPr anchor="ctr"/>
@@ -7145,14 +7128,18 @@
                     <a:p>
                       <a:pPr algn="ctr"/>
                       <a:r>
-                        <a:rPr lang="en-AU" sz="700" dirty="0" smtClean="0"/>
+                        <a:rPr lang="en-AU" sz="700" dirty="0"/>
                         <a:t>3.5</a:t>
                       </a:r>
-                      <a:endParaRPr lang="en-AU" sz="700" dirty="0"/>
                     </a:p>
                   </a:txBody>
                   <a:tcPr anchor="ctr"/>
                 </a:tc>
+                <a:extLst>
+                  <a:ext uri="{0D108BD9-81ED-4DB2-BD59-A6C34878D82A}">
+                    <a16:rowId xmlns:a16="http://schemas.microsoft.com/office/drawing/2014/main" val="10003"/>
+                  </a:ext>
+                </a:extLst>
               </a:tr>
               <a:tr h="234202">
                 <a:tc>
@@ -7161,11 +7148,11 @@
                     <a:lstStyle/>
                     <a:p>
                       <a:r>
-                        <a:rPr lang="en-AU" sz="700" dirty="0" smtClean="0"/>
+                        <a:rPr lang="en-AU" sz="700" dirty="0"/>
                         <a:t>1-Jul-2016</a:t>
                       </a:r>
                       <a:r>
-                        <a:rPr lang="en-AU" sz="700" baseline="0" dirty="0" smtClean="0"/>
+                        <a:rPr lang="en-AU" sz="700" baseline="0" dirty="0"/>
                         <a:t> – 31-Jul-2016</a:t>
                       </a:r>
                       <a:endParaRPr lang="en-AU" sz="700" dirty="0"/>
@@ -7180,10 +7167,9 @@
                     <a:p>
                       <a:pPr algn="ctr"/>
                       <a:r>
-                        <a:rPr lang="en-AU" sz="700" dirty="0" smtClean="0"/>
+                        <a:rPr lang="en-AU" sz="700" dirty="0"/>
                         <a:t>$1500</a:t>
                       </a:r>
-                      <a:endParaRPr lang="en-AU" sz="700" dirty="0"/>
                     </a:p>
                   </a:txBody>
                   <a:tcPr anchor="ctr"/>
@@ -7195,10 +7181,9 @@
                     <a:p>
                       <a:pPr algn="ctr"/>
                       <a:r>
-                        <a:rPr lang="en-AU" sz="700" dirty="0" smtClean="0"/>
+                        <a:rPr lang="en-AU" sz="700" dirty="0"/>
                         <a:t>18,061</a:t>
                       </a:r>
-                      <a:endParaRPr lang="en-AU" sz="700" dirty="0"/>
                     </a:p>
                   </a:txBody>
                   <a:tcPr anchor="ctr"/>
@@ -7210,10 +7195,9 @@
                     <a:p>
                       <a:pPr algn="ctr"/>
                       <a:r>
-                        <a:rPr lang="en-AU" sz="700" dirty="0" smtClean="0"/>
+                        <a:rPr lang="en-AU" sz="700" dirty="0"/>
                         <a:t>985</a:t>
                       </a:r>
-                      <a:endParaRPr lang="en-AU" sz="700" dirty="0"/>
                     </a:p>
                   </a:txBody>
                   <a:tcPr anchor="ctr"/>
@@ -7225,10 +7209,9 @@
                     <a:p>
                       <a:pPr algn="ctr"/>
                       <a:r>
-                        <a:rPr lang="en-AU" sz="700" dirty="0" smtClean="0"/>
+                        <a:rPr lang="en-AU" sz="700" dirty="0"/>
                         <a:t>$1.52</a:t>
                       </a:r>
-                      <a:endParaRPr lang="en-AU" sz="700" dirty="0"/>
                     </a:p>
                   </a:txBody>
                   <a:tcPr anchor="ctr"/>
@@ -7240,10 +7223,9 @@
                     <a:p>
                       <a:pPr algn="ctr"/>
                       <a:r>
-                        <a:rPr lang="en-AU" sz="700" dirty="0" smtClean="0"/>
+                        <a:rPr lang="en-AU" sz="700" dirty="0"/>
                         <a:t>0.89%</a:t>
                       </a:r>
-                      <a:endParaRPr lang="en-AU" sz="700" dirty="0"/>
                     </a:p>
                   </a:txBody>
                   <a:tcPr anchor="ctr"/>
@@ -7255,10 +7237,9 @@
                     <a:p>
                       <a:pPr algn="ctr"/>
                       <a:r>
-                        <a:rPr lang="en-AU" sz="700" dirty="0" smtClean="0"/>
+                        <a:rPr lang="en-AU" sz="700" dirty="0"/>
                         <a:t>300</a:t>
                       </a:r>
-                      <a:endParaRPr lang="en-AU" sz="700" dirty="0"/>
                     </a:p>
                   </a:txBody>
                   <a:tcPr anchor="ctr"/>
@@ -7270,10 +7251,9 @@
                     <a:p>
                       <a:pPr algn="ctr"/>
                       <a:r>
-                        <a:rPr lang="en-AU" sz="700" dirty="0" smtClean="0"/>
+                        <a:rPr lang="en-AU" sz="700" dirty="0"/>
                         <a:t>50</a:t>
                       </a:r>
-                      <a:endParaRPr lang="en-AU" sz="700" dirty="0"/>
                     </a:p>
                   </a:txBody>
                   <a:tcPr anchor="ctr"/>
@@ -7285,10 +7265,9 @@
                     <a:p>
                       <a:pPr algn="ctr"/>
                       <a:r>
-                        <a:rPr lang="en-AU" sz="700" dirty="0" smtClean="0"/>
+                        <a:rPr lang="en-AU" sz="700" dirty="0"/>
                         <a:t>350</a:t>
                       </a:r>
-                      <a:endParaRPr lang="en-AU" sz="700" dirty="0"/>
                     </a:p>
                   </a:txBody>
                   <a:tcPr anchor="ctr"/>
@@ -7300,10 +7279,9 @@
                     <a:p>
                       <a:pPr algn="ctr"/>
                       <a:r>
-                        <a:rPr lang="en-AU" sz="700" dirty="0" smtClean="0"/>
+                        <a:rPr lang="en-AU" sz="700" dirty="0"/>
                         <a:t>$5.99</a:t>
                       </a:r>
-                      <a:endParaRPr lang="en-AU" sz="700" dirty="0"/>
                     </a:p>
                   </a:txBody>
                   <a:tcPr anchor="ctr"/>
@@ -7315,10 +7293,9 @@
                     <a:p>
                       <a:pPr algn="ctr"/>
                       <a:r>
-                        <a:rPr lang="en-AU" sz="700" dirty="0" smtClean="0"/>
+                        <a:rPr lang="en-AU" sz="700" dirty="0"/>
                         <a:t>8.00%</a:t>
                       </a:r>
-                      <a:endParaRPr lang="en-AU" sz="700" dirty="0"/>
                     </a:p>
                   </a:txBody>
                   <a:tcPr anchor="ctr"/>
@@ -7330,14 +7307,18 @@
                     <a:p>
                       <a:pPr algn="ctr"/>
                       <a:r>
-                        <a:rPr lang="en-AU" sz="700" dirty="0" smtClean="0"/>
+                        <a:rPr lang="en-AU" sz="700" dirty="0"/>
                         <a:t>3.5</a:t>
                       </a:r>
-                      <a:endParaRPr lang="en-AU" sz="700" dirty="0"/>
                     </a:p>
                   </a:txBody>
                   <a:tcPr anchor="ctr"/>
                 </a:tc>
+                <a:extLst>
+                  <a:ext uri="{0D108BD9-81ED-4DB2-BD59-A6C34878D82A}">
+                    <a16:rowId xmlns:a16="http://schemas.microsoft.com/office/drawing/2014/main" val="10004"/>
+                  </a:ext>
+                </a:extLst>
               </a:tr>
               <a:tr h="234202">
                 <a:tc>
@@ -7346,11 +7327,11 @@
                     <a:lstStyle/>
                     <a:p>
                       <a:r>
-                        <a:rPr lang="en-AU" sz="700" dirty="0" smtClean="0"/>
+                        <a:rPr lang="en-AU" sz="700" dirty="0"/>
                         <a:t>1-June-2016</a:t>
                       </a:r>
                       <a:r>
-                        <a:rPr lang="en-AU" sz="700" baseline="0" dirty="0" smtClean="0"/>
+                        <a:rPr lang="en-AU" sz="700" baseline="0" dirty="0"/>
                         <a:t> – 30-Jun-2016</a:t>
                       </a:r>
                       <a:endParaRPr lang="en-AU" sz="700" dirty="0"/>
@@ -7365,10 +7346,9 @@
                     <a:p>
                       <a:pPr algn="ctr"/>
                       <a:r>
-                        <a:rPr lang="en-AU" sz="700" dirty="0" smtClean="0"/>
+                        <a:rPr lang="en-AU" sz="700" dirty="0"/>
                         <a:t>$1500</a:t>
                       </a:r>
-                      <a:endParaRPr lang="en-AU" sz="700" dirty="0"/>
                     </a:p>
                   </a:txBody>
                   <a:tcPr anchor="ctr"/>
@@ -7380,10 +7360,9 @@
                     <a:p>
                       <a:pPr algn="ctr"/>
                       <a:r>
-                        <a:rPr lang="en-AU" sz="700" dirty="0" smtClean="0"/>
+                        <a:rPr lang="en-AU" sz="700" dirty="0"/>
                         <a:t>18,061</a:t>
                       </a:r>
-                      <a:endParaRPr lang="en-AU" sz="700" dirty="0"/>
                     </a:p>
                   </a:txBody>
                   <a:tcPr anchor="ctr"/>
@@ -7395,10 +7374,9 @@
                     <a:p>
                       <a:pPr algn="ctr"/>
                       <a:r>
-                        <a:rPr lang="en-AU" sz="700" dirty="0" smtClean="0"/>
+                        <a:rPr lang="en-AU" sz="700" dirty="0"/>
                         <a:t>985</a:t>
                       </a:r>
-                      <a:endParaRPr lang="en-AU" sz="700" dirty="0"/>
                     </a:p>
                   </a:txBody>
                   <a:tcPr anchor="ctr"/>
@@ -7410,10 +7388,9 @@
                     <a:p>
                       <a:pPr algn="ctr"/>
                       <a:r>
-                        <a:rPr lang="en-AU" sz="700" dirty="0" smtClean="0"/>
+                        <a:rPr lang="en-AU" sz="700" dirty="0"/>
                         <a:t>$1.52</a:t>
                       </a:r>
-                      <a:endParaRPr lang="en-AU" sz="700" dirty="0"/>
                     </a:p>
                   </a:txBody>
                   <a:tcPr anchor="ctr"/>
@@ -7425,10 +7402,9 @@
                     <a:p>
                       <a:pPr algn="ctr"/>
                       <a:r>
-                        <a:rPr lang="en-AU" sz="700" dirty="0" smtClean="0"/>
+                        <a:rPr lang="en-AU" sz="700" dirty="0"/>
                         <a:t>0.89%</a:t>
                       </a:r>
-                      <a:endParaRPr lang="en-AU" sz="700" dirty="0"/>
                     </a:p>
                   </a:txBody>
                   <a:tcPr anchor="ctr"/>
@@ -7440,10 +7416,9 @@
                     <a:p>
                       <a:pPr algn="ctr"/>
                       <a:r>
-                        <a:rPr lang="en-AU" sz="700" dirty="0" smtClean="0"/>
+                        <a:rPr lang="en-AU" sz="700" dirty="0"/>
                         <a:t>300</a:t>
                       </a:r>
-                      <a:endParaRPr lang="en-AU" sz="700" dirty="0"/>
                     </a:p>
                   </a:txBody>
                   <a:tcPr anchor="ctr"/>
@@ -7455,10 +7430,9 @@
                     <a:p>
                       <a:pPr algn="ctr"/>
                       <a:r>
-                        <a:rPr lang="en-AU" sz="700" dirty="0" smtClean="0"/>
+                        <a:rPr lang="en-AU" sz="700" dirty="0"/>
                         <a:t>50</a:t>
                       </a:r>
-                      <a:endParaRPr lang="en-AU" sz="700" dirty="0"/>
                     </a:p>
                   </a:txBody>
                   <a:tcPr anchor="ctr"/>
@@ -7470,10 +7444,9 @@
                     <a:p>
                       <a:pPr algn="ctr"/>
                       <a:r>
-                        <a:rPr lang="en-AU" sz="700" dirty="0" smtClean="0"/>
+                        <a:rPr lang="en-AU" sz="700" dirty="0"/>
                         <a:t>350</a:t>
                       </a:r>
-                      <a:endParaRPr lang="en-AU" sz="700" dirty="0"/>
                     </a:p>
                   </a:txBody>
                   <a:tcPr anchor="ctr"/>
@@ -7485,10 +7458,9 @@
                     <a:p>
                       <a:pPr algn="ctr"/>
                       <a:r>
-                        <a:rPr lang="en-AU" sz="700" dirty="0" smtClean="0"/>
+                        <a:rPr lang="en-AU" sz="700" dirty="0"/>
                         <a:t>$7.99</a:t>
                       </a:r>
-                      <a:endParaRPr lang="en-AU" sz="700" dirty="0"/>
                     </a:p>
                   </a:txBody>
                   <a:tcPr anchor="ctr"/>
@@ -7500,10 +7472,9 @@
                     <a:p>
                       <a:pPr algn="ctr"/>
                       <a:r>
-                        <a:rPr lang="en-AU" sz="700" dirty="0" smtClean="0"/>
+                        <a:rPr lang="en-AU" sz="700" dirty="0"/>
                         <a:t>8.00%</a:t>
                       </a:r>
-                      <a:endParaRPr lang="en-AU" sz="700" dirty="0"/>
                     </a:p>
                   </a:txBody>
                   <a:tcPr anchor="ctr"/>
@@ -7515,14 +7486,18 @@
                     <a:p>
                       <a:pPr algn="ctr"/>
                       <a:r>
-                        <a:rPr lang="en-AU" sz="700" dirty="0" smtClean="0"/>
+                        <a:rPr lang="en-AU" sz="700" dirty="0"/>
                         <a:t>3.5</a:t>
                       </a:r>
-                      <a:endParaRPr lang="en-AU" sz="700" dirty="0"/>
                     </a:p>
                   </a:txBody>
                   <a:tcPr anchor="ctr"/>
                 </a:tc>
+                <a:extLst>
+                  <a:ext uri="{0D108BD9-81ED-4DB2-BD59-A6C34878D82A}">
+                    <a16:rowId xmlns:a16="http://schemas.microsoft.com/office/drawing/2014/main" val="10005"/>
+                  </a:ext>
+                </a:extLst>
               </a:tr>
               <a:tr h="234202">
                 <a:tc>
@@ -7531,11 +7506,11 @@
                     <a:lstStyle/>
                     <a:p>
                       <a:r>
-                        <a:rPr lang="en-AU" sz="700" dirty="0" smtClean="0"/>
+                        <a:rPr lang="en-AU" sz="700" dirty="0"/>
                         <a:t>1-May-2016</a:t>
                       </a:r>
                       <a:r>
-                        <a:rPr lang="en-AU" sz="700" baseline="0" dirty="0" smtClean="0"/>
+                        <a:rPr lang="en-AU" sz="700" baseline="0" dirty="0"/>
                         <a:t> – 31-May-2016</a:t>
                       </a:r>
                       <a:endParaRPr lang="en-AU" sz="700" dirty="0"/>
@@ -7550,10 +7525,9 @@
                     <a:p>
                       <a:pPr algn="ctr"/>
                       <a:r>
-                        <a:rPr lang="en-AU" sz="700" dirty="0" smtClean="0"/>
+                        <a:rPr lang="en-AU" sz="700" dirty="0"/>
                         <a:t>$1500</a:t>
                       </a:r>
-                      <a:endParaRPr lang="en-AU" sz="700" dirty="0"/>
                     </a:p>
                   </a:txBody>
                   <a:tcPr anchor="ctr"/>
@@ -7565,10 +7539,9 @@
                     <a:p>
                       <a:pPr algn="ctr"/>
                       <a:r>
-                        <a:rPr lang="en-AU" sz="700" dirty="0" smtClean="0"/>
+                        <a:rPr lang="en-AU" sz="700" dirty="0"/>
                         <a:t>18,061</a:t>
                       </a:r>
-                      <a:endParaRPr lang="en-AU" sz="700" dirty="0"/>
                     </a:p>
                   </a:txBody>
                   <a:tcPr anchor="ctr"/>
@@ -7580,10 +7553,9 @@
                     <a:p>
                       <a:pPr algn="ctr"/>
                       <a:r>
-                        <a:rPr lang="en-AU" sz="700" dirty="0" smtClean="0"/>
+                        <a:rPr lang="en-AU" sz="700" dirty="0"/>
                         <a:t>985</a:t>
                       </a:r>
-                      <a:endParaRPr lang="en-AU" sz="700" dirty="0"/>
                     </a:p>
                   </a:txBody>
                   <a:tcPr anchor="ctr"/>
@@ -7595,10 +7567,9 @@
                     <a:p>
                       <a:pPr algn="ctr"/>
                       <a:r>
-                        <a:rPr lang="en-AU" sz="700" dirty="0" smtClean="0"/>
+                        <a:rPr lang="en-AU" sz="700" dirty="0"/>
                         <a:t>$1.52</a:t>
                       </a:r>
-                      <a:endParaRPr lang="en-AU" sz="700" dirty="0"/>
                     </a:p>
                   </a:txBody>
                   <a:tcPr anchor="ctr"/>
@@ -7610,10 +7581,9 @@
                     <a:p>
                       <a:pPr algn="ctr"/>
                       <a:r>
-                        <a:rPr lang="en-AU" sz="700" dirty="0" smtClean="0"/>
+                        <a:rPr lang="en-AU" sz="700" dirty="0"/>
                         <a:t>0.89%</a:t>
                       </a:r>
-                      <a:endParaRPr lang="en-AU" sz="700" dirty="0"/>
                     </a:p>
                   </a:txBody>
                   <a:tcPr anchor="ctr"/>
@@ -7625,10 +7595,9 @@
                     <a:p>
                       <a:pPr algn="ctr"/>
                       <a:r>
-                        <a:rPr lang="en-AU" sz="700" dirty="0" smtClean="0"/>
+                        <a:rPr lang="en-AU" sz="700" dirty="0"/>
                         <a:t>300</a:t>
                       </a:r>
-                      <a:endParaRPr lang="en-AU" sz="700" dirty="0"/>
                     </a:p>
                   </a:txBody>
                   <a:tcPr anchor="ctr"/>
@@ -7640,10 +7609,9 @@
                     <a:p>
                       <a:pPr algn="ctr"/>
                       <a:r>
-                        <a:rPr lang="en-AU" sz="700" dirty="0" smtClean="0"/>
+                        <a:rPr lang="en-AU" sz="700" dirty="0"/>
                         <a:t>50</a:t>
                       </a:r>
-                      <a:endParaRPr lang="en-AU" sz="700" dirty="0"/>
                     </a:p>
                   </a:txBody>
                   <a:tcPr anchor="ctr"/>
@@ -7655,10 +7623,9 @@
                     <a:p>
                       <a:pPr algn="ctr"/>
                       <a:r>
-                        <a:rPr lang="en-AU" sz="700" dirty="0" smtClean="0"/>
+                        <a:rPr lang="en-AU" sz="700" dirty="0"/>
                         <a:t>350</a:t>
                       </a:r>
-                      <a:endParaRPr lang="en-AU" sz="700" dirty="0"/>
                     </a:p>
                   </a:txBody>
                   <a:tcPr anchor="ctr"/>
@@ -7670,10 +7637,9 @@
                     <a:p>
                       <a:pPr algn="ctr"/>
                       <a:r>
-                        <a:rPr lang="en-AU" sz="700" dirty="0" smtClean="0"/>
+                        <a:rPr lang="en-AU" sz="700" dirty="0"/>
                         <a:t>$6.99</a:t>
                       </a:r>
-                      <a:endParaRPr lang="en-AU" sz="700" dirty="0"/>
                     </a:p>
                   </a:txBody>
                   <a:tcPr anchor="ctr"/>
@@ -7685,10 +7651,9 @@
                     <a:p>
                       <a:pPr algn="ctr"/>
                       <a:r>
-                        <a:rPr lang="en-AU" sz="700" dirty="0" smtClean="0"/>
+                        <a:rPr lang="en-AU" sz="700" dirty="0"/>
                         <a:t>8.00%</a:t>
                       </a:r>
-                      <a:endParaRPr lang="en-AU" sz="700" dirty="0"/>
                     </a:p>
                   </a:txBody>
                   <a:tcPr anchor="ctr"/>
@@ -7700,14 +7665,18 @@
                     <a:p>
                       <a:pPr algn="ctr"/>
                       <a:r>
-                        <a:rPr lang="en-AU" sz="700" dirty="0" smtClean="0"/>
+                        <a:rPr lang="en-AU" sz="700" dirty="0"/>
                         <a:t>3.5</a:t>
                       </a:r>
-                      <a:endParaRPr lang="en-AU" sz="700" dirty="0"/>
                     </a:p>
                   </a:txBody>
                   <a:tcPr anchor="ctr"/>
                 </a:tc>
+                <a:extLst>
+                  <a:ext uri="{0D108BD9-81ED-4DB2-BD59-A6C34878D82A}">
+                    <a16:rowId xmlns:a16="http://schemas.microsoft.com/office/drawing/2014/main" val="10006"/>
+                  </a:ext>
+                </a:extLst>
               </a:tr>
               <a:tr h="234202">
                 <a:tc>
@@ -7716,10 +7685,9 @@
                     <a:lstStyle/>
                     <a:p>
                       <a:r>
-                        <a:rPr lang="en-AU" sz="700" dirty="0" smtClean="0"/>
+                        <a:rPr lang="en-AU" sz="700" dirty="0"/>
                         <a:t>Totals &amp; Average</a:t>
                       </a:r>
-                      <a:endParaRPr lang="en-AU" sz="700" dirty="0"/>
                     </a:p>
                   </a:txBody>
                   <a:tcPr/>
@@ -7731,10 +7699,9 @@
                     <a:p>
                       <a:pPr algn="ctr"/>
                       <a:r>
-                        <a:rPr lang="en-AU" sz="700" dirty="0" smtClean="0"/>
+                        <a:rPr lang="en-AU" sz="700" dirty="0"/>
                         <a:t>$9000</a:t>
                       </a:r>
-                      <a:endParaRPr lang="en-AU" sz="700" dirty="0"/>
                     </a:p>
                   </a:txBody>
                   <a:tcPr anchor="ctr"/>
@@ -7746,10 +7713,9 @@
                     <a:p>
                       <a:pPr algn="ctr"/>
                       <a:r>
-                        <a:rPr lang="en-AU" sz="700" dirty="0" smtClean="0"/>
+                        <a:rPr lang="en-AU" sz="700" dirty="0"/>
                         <a:t>108,336</a:t>
                       </a:r>
-                      <a:endParaRPr lang="en-AU" sz="700" dirty="0"/>
                     </a:p>
                   </a:txBody>
                   <a:tcPr anchor="ctr"/>
@@ -7761,10 +7727,9 @@
                     <a:p>
                       <a:pPr algn="ctr"/>
                       <a:r>
-                        <a:rPr lang="en-AU" sz="700" dirty="0" smtClean="0"/>
+                        <a:rPr lang="en-AU" sz="700" dirty="0"/>
                         <a:t>5910</a:t>
                       </a:r>
-                      <a:endParaRPr lang="en-AU" sz="700" dirty="0"/>
                     </a:p>
                   </a:txBody>
                   <a:tcPr anchor="ctr"/>
@@ -7776,10 +7741,9 @@
                     <a:p>
                       <a:pPr algn="ctr"/>
                       <a:r>
-                        <a:rPr lang="en-AU" sz="700" dirty="0" smtClean="0"/>
+                        <a:rPr lang="en-AU" sz="700" dirty="0"/>
                         <a:t>$1.52</a:t>
                       </a:r>
-                      <a:endParaRPr lang="en-AU" sz="700" dirty="0"/>
                     </a:p>
                   </a:txBody>
                   <a:tcPr anchor="ctr"/>
@@ -7791,10 +7755,9 @@
                     <a:p>
                       <a:pPr algn="ctr"/>
                       <a:r>
-                        <a:rPr lang="en-AU" sz="700" dirty="0" smtClean="0"/>
+                        <a:rPr lang="en-AU" sz="700" dirty="0"/>
                         <a:t>0.89%</a:t>
                       </a:r>
-                      <a:endParaRPr lang="en-AU" sz="700" dirty="0"/>
                     </a:p>
                   </a:txBody>
                   <a:tcPr anchor="ctr"/>
@@ -7806,10 +7769,9 @@
                     <a:p>
                       <a:pPr algn="ctr"/>
                       <a:r>
-                        <a:rPr lang="en-AU" sz="700" dirty="0" smtClean="0"/>
+                        <a:rPr lang="en-AU" sz="700" dirty="0"/>
                         <a:t>1800</a:t>
                       </a:r>
-                      <a:endParaRPr lang="en-AU" sz="700" dirty="0"/>
                     </a:p>
                   </a:txBody>
                   <a:tcPr anchor="ctr"/>
@@ -7821,10 +7783,9 @@
                     <a:p>
                       <a:pPr algn="ctr"/>
                       <a:r>
-                        <a:rPr lang="en-AU" sz="700" dirty="0" smtClean="0"/>
+                        <a:rPr lang="en-AU" sz="700" dirty="0"/>
                         <a:t>300</a:t>
                       </a:r>
-                      <a:endParaRPr lang="en-AU" sz="700" dirty="0"/>
                     </a:p>
                   </a:txBody>
                   <a:tcPr anchor="ctr"/>
@@ -7836,10 +7797,9 @@
                     <a:p>
                       <a:pPr algn="ctr"/>
                       <a:r>
-                        <a:rPr lang="en-AU" sz="700" dirty="0" smtClean="0"/>
+                        <a:rPr lang="en-AU" sz="700" dirty="0"/>
                         <a:t>2100</a:t>
                       </a:r>
-                      <a:endParaRPr lang="en-AU" sz="700" dirty="0"/>
                     </a:p>
                   </a:txBody>
                   <a:tcPr anchor="ctr"/>
@@ -7851,10 +7811,9 @@
                     <a:p>
                       <a:pPr algn="ctr"/>
                       <a:r>
-                        <a:rPr lang="en-AU" sz="700" dirty="0" smtClean="0"/>
+                        <a:rPr lang="en-AU" sz="700" dirty="0"/>
                         <a:t>$9.99</a:t>
                       </a:r>
-                      <a:endParaRPr lang="en-AU" sz="700" dirty="0"/>
                     </a:p>
                   </a:txBody>
                   <a:tcPr anchor="ctr"/>
@@ -7866,10 +7825,9 @@
                     <a:p>
                       <a:pPr algn="ctr"/>
                       <a:r>
-                        <a:rPr lang="en-AU" sz="700" dirty="0" smtClean="0"/>
+                        <a:rPr lang="en-AU" sz="700" dirty="0"/>
                         <a:t>8.00%</a:t>
                       </a:r>
-                      <a:endParaRPr lang="en-AU" sz="700" dirty="0"/>
                     </a:p>
                   </a:txBody>
                   <a:tcPr anchor="ctr"/>
@@ -7881,14 +7839,18 @@
                     <a:p>
                       <a:pPr algn="ctr"/>
                       <a:r>
-                        <a:rPr lang="en-AU" sz="700" dirty="0" smtClean="0"/>
+                        <a:rPr lang="en-AU" sz="700" dirty="0"/>
                         <a:t>3.5</a:t>
                       </a:r>
-                      <a:endParaRPr lang="en-AU" sz="700" dirty="0"/>
                     </a:p>
                   </a:txBody>
                   <a:tcPr anchor="ctr"/>
                 </a:tc>
+                <a:extLst>
+                  <a:ext uri="{0D108BD9-81ED-4DB2-BD59-A6C34878D82A}">
+                    <a16:rowId xmlns:a16="http://schemas.microsoft.com/office/drawing/2014/main" val="10007"/>
+                  </a:ext>
+                </a:extLst>
               </a:tr>
             </a:tbl>
           </a:graphicData>
@@ -7917,10 +7879,9 @@
           <a:lstStyle/>
           <a:p>
             <a:r>
-              <a:rPr lang="en-US" sz="1200" b="1" dirty="0" smtClean="0"/>
+              <a:rPr lang="en-US" sz="1200" b="1" dirty="0"/>
               <a:t>ROLLING 6 MONTH ANALYSIS</a:t>
             </a:r>
-            <a:endParaRPr lang="en-US" sz="1200" b="1" dirty="0"/>
           </a:p>
         </p:txBody>
       </p:sp>
@@ -7995,10 +7956,9 @@
           <a:lstStyle/>
           <a:p>
             <a:r>
-              <a:rPr lang="en-US" sz="1200" b="1" dirty="0" smtClean="0"/>
+              <a:rPr lang="en-US" sz="1200" b="1" dirty="0"/>
               <a:t>TOP 10 KEYWORD PHRASES</a:t>
             </a:r>
-            <a:endParaRPr lang="en-US" sz="1200" b="1" dirty="0"/>
           </a:p>
         </p:txBody>
       </p:sp>
@@ -8027,10 +7987,34 @@
                 <a:tableStyleId>{073A0DAA-6AF3-43AB-8588-CEC1D06C72B9}</a:tableStyleId>
               </a:tblPr>
               <a:tblGrid>
-                <a:gridCol w="317005"/>
-                <a:gridCol w="1347927"/>
-                <a:gridCol w="432304"/>
-                <a:gridCol w="699078"/>
+                <a:gridCol w="317005">
+                  <a:extLst>
+                    <a:ext uri="{9D8B030D-6E8A-4147-A177-3AD203B41FA5}">
+                      <a16:colId xmlns:a16="http://schemas.microsoft.com/office/drawing/2014/main" val="20000"/>
+                    </a:ext>
+                  </a:extLst>
+                </a:gridCol>
+                <a:gridCol w="1347927">
+                  <a:extLst>
+                    <a:ext uri="{9D8B030D-6E8A-4147-A177-3AD203B41FA5}">
+                      <a16:colId xmlns:a16="http://schemas.microsoft.com/office/drawing/2014/main" val="20001"/>
+                    </a:ext>
+                  </a:extLst>
+                </a:gridCol>
+                <a:gridCol w="432304">
+                  <a:extLst>
+                    <a:ext uri="{9D8B030D-6E8A-4147-A177-3AD203B41FA5}">
+                      <a16:colId xmlns:a16="http://schemas.microsoft.com/office/drawing/2014/main" val="20002"/>
+                    </a:ext>
+                  </a:extLst>
+                </a:gridCol>
+                <a:gridCol w="699078">
+                  <a:extLst>
+                    <a:ext uri="{9D8B030D-6E8A-4147-A177-3AD203B41FA5}">
+                      <a16:colId xmlns:a16="http://schemas.microsoft.com/office/drawing/2014/main" val="20003"/>
+                    </a:ext>
+                  </a:extLst>
+                </a:gridCol>
               </a:tblGrid>
               <a:tr h="177826">
                 <a:tc>
@@ -8039,10 +8023,9 @@
                     <a:lstStyle/>
                     <a:p>
                       <a:r>
-                        <a:rPr lang="en-AU" sz="600" dirty="0" smtClean="0"/>
+                        <a:rPr lang="en-AU" sz="600" dirty="0"/>
                         <a:t>#</a:t>
                       </a:r>
-                      <a:endParaRPr lang="en-AU" sz="600" dirty="0"/>
                     </a:p>
                   </a:txBody>
                   <a:tcPr/>
@@ -8053,10 +8036,9 @@
                     <a:lstStyle/>
                     <a:p>
                       <a:r>
-                        <a:rPr lang="en-AU" sz="600" dirty="0" smtClean="0"/>
+                        <a:rPr lang="en-AU" sz="600" dirty="0"/>
                         <a:t>Keyword</a:t>
                       </a:r>
-                      <a:endParaRPr lang="en-AU" sz="600" dirty="0"/>
                     </a:p>
                   </a:txBody>
                   <a:tcPr/>
@@ -8067,10 +8049,9 @@
                     <a:lstStyle/>
                     <a:p>
                       <a:r>
-                        <a:rPr lang="en-AU" sz="600" dirty="0" smtClean="0"/>
+                        <a:rPr lang="en-AU" sz="600" dirty="0"/>
                         <a:t>Clicks</a:t>
                       </a:r>
-                      <a:endParaRPr lang="en-AU" sz="600" dirty="0"/>
                     </a:p>
                   </a:txBody>
                   <a:tcPr/>
@@ -8081,14 +8062,18 @@
                     <a:lstStyle/>
                     <a:p>
                       <a:r>
-                        <a:rPr lang="en-AU" sz="600" dirty="0" smtClean="0"/>
+                        <a:rPr lang="en-AU" sz="600" dirty="0"/>
                         <a:t>Impressions</a:t>
                       </a:r>
-                      <a:endParaRPr lang="en-AU" sz="600" dirty="0"/>
                     </a:p>
                   </a:txBody>
                   <a:tcPr/>
                 </a:tc>
+                <a:extLst>
+                  <a:ext uri="{0D108BD9-81ED-4DB2-BD59-A6C34878D82A}">
+                    <a16:rowId xmlns:a16="http://schemas.microsoft.com/office/drawing/2014/main" val="10000"/>
+                  </a:ext>
+                </a:extLst>
               </a:tr>
               <a:tr h="177826">
                 <a:tc>
@@ -8097,10 +8082,9 @@
                     <a:lstStyle/>
                     <a:p>
                       <a:r>
-                        <a:rPr lang="en-AU" sz="600" dirty="0" smtClean="0"/>
+                        <a:rPr lang="en-AU" sz="600" dirty="0"/>
                         <a:t>1</a:t>
                       </a:r>
-                      <a:endParaRPr lang="en-AU" sz="600" dirty="0"/>
                     </a:p>
                   </a:txBody>
                   <a:tcPr/>
@@ -8111,10 +8095,9 @@
                     <a:lstStyle/>
                     <a:p>
                       <a:r>
-                        <a:rPr lang="en-AU" sz="600" dirty="0" smtClean="0"/>
+                        <a:rPr lang="en-AU" sz="600" dirty="0"/>
                         <a:t>Hyundai i30</a:t>
                       </a:r>
-                      <a:endParaRPr lang="en-AU" sz="600" dirty="0"/>
                     </a:p>
                   </a:txBody>
                   <a:tcPr/>
@@ -8125,10 +8108,9 @@
                     <a:lstStyle/>
                     <a:p>
                       <a:r>
-                        <a:rPr lang="en-AU" sz="600" dirty="0" smtClean="0"/>
+                        <a:rPr lang="en-AU" sz="600" dirty="0"/>
                         <a:t>300</a:t>
                       </a:r>
-                      <a:endParaRPr lang="en-AU" sz="600" dirty="0"/>
                     </a:p>
                   </a:txBody>
                   <a:tcPr/>
@@ -8139,14 +8121,18 @@
                     <a:lstStyle/>
                     <a:p>
                       <a:r>
-                        <a:rPr lang="en-AU" sz="600" dirty="0" smtClean="0"/>
+                        <a:rPr lang="en-AU" sz="600" dirty="0"/>
                         <a:t>5,552</a:t>
                       </a:r>
-                      <a:endParaRPr lang="en-AU" sz="600" dirty="0"/>
                     </a:p>
                   </a:txBody>
                   <a:tcPr/>
                 </a:tc>
+                <a:extLst>
+                  <a:ext uri="{0D108BD9-81ED-4DB2-BD59-A6C34878D82A}">
+                    <a16:rowId xmlns:a16="http://schemas.microsoft.com/office/drawing/2014/main" val="10001"/>
+                  </a:ext>
+                </a:extLst>
               </a:tr>
               <a:tr h="177826">
                 <a:tc>
@@ -8155,10 +8141,9 @@
                     <a:lstStyle/>
                     <a:p>
                       <a:r>
-                        <a:rPr lang="en-AU" sz="600" dirty="0" smtClean="0"/>
+                        <a:rPr lang="en-AU" sz="600" dirty="0"/>
                         <a:t>2</a:t>
                       </a:r>
-                      <a:endParaRPr lang="en-AU" sz="600" dirty="0"/>
                     </a:p>
                   </a:txBody>
                   <a:tcPr/>
@@ -8186,7 +8171,7 @@
                         <a:defRPr/>
                       </a:pPr>
                       <a:r>
-                        <a:rPr lang="en-AU" sz="600" dirty="0" smtClean="0"/>
+                        <a:rPr lang="en-AU" sz="600" dirty="0"/>
                         <a:t>Hyundai i30</a:t>
                       </a:r>
                     </a:p>
@@ -8199,10 +8184,9 @@
                     <a:lstStyle/>
                     <a:p>
                       <a:r>
-                        <a:rPr lang="en-AU" sz="600" dirty="0" smtClean="0"/>
+                        <a:rPr lang="en-AU" sz="600" dirty="0"/>
                         <a:t>300</a:t>
                       </a:r>
-                      <a:endParaRPr lang="en-AU" sz="600" dirty="0"/>
                     </a:p>
                   </a:txBody>
                   <a:tcPr/>
@@ -8213,14 +8197,18 @@
                     <a:lstStyle/>
                     <a:p>
                       <a:r>
-                        <a:rPr lang="en-AU" sz="600" dirty="0" smtClean="0"/>
+                        <a:rPr lang="en-AU" sz="600" dirty="0"/>
                         <a:t>5,552</a:t>
                       </a:r>
-                      <a:endParaRPr lang="en-AU" sz="600" dirty="0"/>
                     </a:p>
                   </a:txBody>
                   <a:tcPr/>
                 </a:tc>
+                <a:extLst>
+                  <a:ext uri="{0D108BD9-81ED-4DB2-BD59-A6C34878D82A}">
+                    <a16:rowId xmlns:a16="http://schemas.microsoft.com/office/drawing/2014/main" val="10002"/>
+                  </a:ext>
+                </a:extLst>
               </a:tr>
               <a:tr h="177826">
                 <a:tc>
@@ -8229,10 +8217,9 @@
                     <a:lstStyle/>
                     <a:p>
                       <a:r>
-                        <a:rPr lang="en-AU" sz="600" dirty="0" smtClean="0"/>
+                        <a:rPr lang="en-AU" sz="600" dirty="0"/>
                         <a:t>3</a:t>
                       </a:r>
-                      <a:endParaRPr lang="en-AU" sz="600" dirty="0"/>
                     </a:p>
                   </a:txBody>
                   <a:tcPr/>
@@ -8260,10 +8247,9 @@
                         <a:defRPr/>
                       </a:pPr>
                       <a:r>
-                        <a:rPr lang="en-AU" sz="600" dirty="0" smtClean="0"/>
+                        <a:rPr lang="en-AU" sz="600" dirty="0"/>
                         <a:t>Hyundai i30</a:t>
                       </a:r>
-                      <a:endParaRPr lang="en-AU" sz="600" dirty="0"/>
                     </a:p>
                   </a:txBody>
                   <a:tcPr/>
@@ -8274,10 +8260,9 @@
                     <a:lstStyle/>
                     <a:p>
                       <a:r>
-                        <a:rPr lang="en-AU" sz="600" dirty="0" smtClean="0"/>
+                        <a:rPr lang="en-AU" sz="600" dirty="0"/>
                         <a:t>300</a:t>
                       </a:r>
-                      <a:endParaRPr lang="en-AU" sz="600" dirty="0"/>
                     </a:p>
                   </a:txBody>
                   <a:tcPr/>
@@ -8288,14 +8273,18 @@
                     <a:lstStyle/>
                     <a:p>
                       <a:r>
-                        <a:rPr lang="en-AU" sz="600" dirty="0" smtClean="0"/>
+                        <a:rPr lang="en-AU" sz="600" dirty="0"/>
                         <a:t>5,552</a:t>
                       </a:r>
-                      <a:endParaRPr lang="en-AU" sz="600" dirty="0"/>
                     </a:p>
                   </a:txBody>
                   <a:tcPr/>
                 </a:tc>
+                <a:extLst>
+                  <a:ext uri="{0D108BD9-81ED-4DB2-BD59-A6C34878D82A}">
+                    <a16:rowId xmlns:a16="http://schemas.microsoft.com/office/drawing/2014/main" val="10003"/>
+                  </a:ext>
+                </a:extLst>
               </a:tr>
               <a:tr h="177826">
                 <a:tc>
@@ -8304,10 +8293,9 @@
                     <a:lstStyle/>
                     <a:p>
                       <a:r>
-                        <a:rPr lang="en-AU" sz="600" dirty="0" smtClean="0"/>
+                        <a:rPr lang="en-AU" sz="600" dirty="0"/>
                         <a:t>4</a:t>
                       </a:r>
-                      <a:endParaRPr lang="en-AU" sz="600" dirty="0"/>
                     </a:p>
                   </a:txBody>
                   <a:tcPr/>
@@ -8335,10 +8323,9 @@
                         <a:defRPr/>
                       </a:pPr>
                       <a:r>
-                        <a:rPr lang="en-AU" sz="600" dirty="0" smtClean="0"/>
+                        <a:rPr lang="en-AU" sz="600" dirty="0"/>
                         <a:t>Hyundai i30</a:t>
                       </a:r>
-                      <a:endParaRPr lang="en-AU" sz="600" dirty="0"/>
                     </a:p>
                   </a:txBody>
                   <a:tcPr/>
@@ -8349,10 +8336,9 @@
                     <a:lstStyle/>
                     <a:p>
                       <a:r>
-                        <a:rPr lang="en-AU" sz="600" dirty="0" smtClean="0"/>
+                        <a:rPr lang="en-AU" sz="600" dirty="0"/>
                         <a:t>300</a:t>
                       </a:r>
-                      <a:endParaRPr lang="en-AU" sz="600" dirty="0"/>
                     </a:p>
                   </a:txBody>
                   <a:tcPr/>
@@ -8363,14 +8349,18 @@
                     <a:lstStyle/>
                     <a:p>
                       <a:r>
-                        <a:rPr lang="en-AU" sz="600" dirty="0" smtClean="0"/>
+                        <a:rPr lang="en-AU" sz="600" dirty="0"/>
                         <a:t>5,552</a:t>
                       </a:r>
-                      <a:endParaRPr lang="en-AU" sz="600" dirty="0"/>
                     </a:p>
                   </a:txBody>
                   <a:tcPr/>
                 </a:tc>
+                <a:extLst>
+                  <a:ext uri="{0D108BD9-81ED-4DB2-BD59-A6C34878D82A}">
+                    <a16:rowId xmlns:a16="http://schemas.microsoft.com/office/drawing/2014/main" val="10004"/>
+                  </a:ext>
+                </a:extLst>
               </a:tr>
               <a:tr h="177826">
                 <a:tc>
@@ -8379,10 +8369,9 @@
                     <a:lstStyle/>
                     <a:p>
                       <a:r>
-                        <a:rPr lang="en-AU" sz="600" dirty="0" smtClean="0"/>
+                        <a:rPr lang="en-AU" sz="600" dirty="0"/>
                         <a:t>5</a:t>
                       </a:r>
-                      <a:endParaRPr lang="en-AU" sz="600" dirty="0"/>
                     </a:p>
                   </a:txBody>
                   <a:tcPr/>
@@ -8410,7 +8399,7 @@
                         <a:defRPr/>
                       </a:pPr>
                       <a:r>
-                        <a:rPr lang="en-AU" sz="600" dirty="0" smtClean="0"/>
+                        <a:rPr lang="en-AU" sz="600" dirty="0"/>
                         <a:t>Hyundai i30</a:t>
                       </a:r>
                     </a:p>
@@ -8423,10 +8412,9 @@
                     <a:lstStyle/>
                     <a:p>
                       <a:r>
-                        <a:rPr lang="en-AU" sz="600" dirty="0" smtClean="0"/>
+                        <a:rPr lang="en-AU" sz="600" dirty="0"/>
                         <a:t>300</a:t>
                       </a:r>
-                      <a:endParaRPr lang="en-AU" sz="600" dirty="0"/>
                     </a:p>
                   </a:txBody>
                   <a:tcPr/>
@@ -8437,14 +8425,18 @@
                     <a:lstStyle/>
                     <a:p>
                       <a:r>
-                        <a:rPr lang="en-AU" sz="600" dirty="0" smtClean="0"/>
+                        <a:rPr lang="en-AU" sz="600" dirty="0"/>
                         <a:t>5,552</a:t>
                       </a:r>
-                      <a:endParaRPr lang="en-AU" sz="600" dirty="0"/>
                     </a:p>
                   </a:txBody>
                   <a:tcPr/>
                 </a:tc>
+                <a:extLst>
+                  <a:ext uri="{0D108BD9-81ED-4DB2-BD59-A6C34878D82A}">
+                    <a16:rowId xmlns:a16="http://schemas.microsoft.com/office/drawing/2014/main" val="10005"/>
+                  </a:ext>
+                </a:extLst>
               </a:tr>
               <a:tr h="177826">
                 <a:tc>
@@ -8453,10 +8445,9 @@
                     <a:lstStyle/>
                     <a:p>
                       <a:r>
-                        <a:rPr lang="en-AU" sz="600" dirty="0" smtClean="0"/>
+                        <a:rPr lang="en-AU" sz="600" dirty="0"/>
                         <a:t>6</a:t>
                       </a:r>
-                      <a:endParaRPr lang="en-AU" sz="600" dirty="0"/>
                     </a:p>
                   </a:txBody>
                   <a:tcPr/>
@@ -8484,7 +8475,7 @@
                         <a:defRPr/>
                       </a:pPr>
                       <a:r>
-                        <a:rPr lang="en-AU" sz="600" dirty="0" smtClean="0"/>
+                        <a:rPr lang="en-AU" sz="600" dirty="0"/>
                         <a:t>Hyundai i30</a:t>
                       </a:r>
                     </a:p>
@@ -8497,10 +8488,9 @@
                     <a:lstStyle/>
                     <a:p>
                       <a:r>
-                        <a:rPr lang="en-AU" sz="600" dirty="0" smtClean="0"/>
+                        <a:rPr lang="en-AU" sz="600" dirty="0"/>
                         <a:t>300</a:t>
                       </a:r>
-                      <a:endParaRPr lang="en-AU" sz="600" dirty="0"/>
                     </a:p>
                   </a:txBody>
                   <a:tcPr/>
@@ -8511,14 +8501,18 @@
                     <a:lstStyle/>
                     <a:p>
                       <a:r>
-                        <a:rPr lang="en-AU" sz="600" dirty="0" smtClean="0"/>
+                        <a:rPr lang="en-AU" sz="600" dirty="0"/>
                         <a:t>5,552</a:t>
                       </a:r>
-                      <a:endParaRPr lang="en-AU" sz="600" dirty="0"/>
                     </a:p>
                   </a:txBody>
                   <a:tcPr/>
                 </a:tc>
+                <a:extLst>
+                  <a:ext uri="{0D108BD9-81ED-4DB2-BD59-A6C34878D82A}">
+                    <a16:rowId xmlns:a16="http://schemas.microsoft.com/office/drawing/2014/main" val="10006"/>
+                  </a:ext>
+                </a:extLst>
               </a:tr>
               <a:tr h="177826">
                 <a:tc>
@@ -8527,10 +8521,9 @@
                     <a:lstStyle/>
                     <a:p>
                       <a:r>
-                        <a:rPr lang="en-AU" sz="600" dirty="0" smtClean="0"/>
+                        <a:rPr lang="en-AU" sz="600" dirty="0"/>
                         <a:t>7</a:t>
                       </a:r>
-                      <a:endParaRPr lang="en-AU" sz="600" dirty="0"/>
                     </a:p>
                   </a:txBody>
                   <a:tcPr/>
@@ -8558,7 +8551,7 @@
                         <a:defRPr/>
                       </a:pPr>
                       <a:r>
-                        <a:rPr lang="en-AU" sz="600" dirty="0" smtClean="0"/>
+                        <a:rPr lang="en-AU" sz="600" dirty="0"/>
                         <a:t>Hyundai i30</a:t>
                       </a:r>
                     </a:p>
@@ -8571,10 +8564,9 @@
                     <a:lstStyle/>
                     <a:p>
                       <a:r>
-                        <a:rPr lang="en-AU" sz="600" dirty="0" smtClean="0"/>
+                        <a:rPr lang="en-AU" sz="600" dirty="0"/>
                         <a:t>300</a:t>
                       </a:r>
-                      <a:endParaRPr lang="en-AU" sz="600" dirty="0"/>
                     </a:p>
                   </a:txBody>
                   <a:tcPr/>
@@ -8585,14 +8577,18 @@
                     <a:lstStyle/>
                     <a:p>
                       <a:r>
-                        <a:rPr lang="en-AU" sz="600" dirty="0" smtClean="0"/>
+                        <a:rPr lang="en-AU" sz="600" dirty="0"/>
                         <a:t>5,552</a:t>
                       </a:r>
-                      <a:endParaRPr lang="en-AU" sz="600" dirty="0"/>
                     </a:p>
                   </a:txBody>
                   <a:tcPr/>
                 </a:tc>
+                <a:extLst>
+                  <a:ext uri="{0D108BD9-81ED-4DB2-BD59-A6C34878D82A}">
+                    <a16:rowId xmlns:a16="http://schemas.microsoft.com/office/drawing/2014/main" val="10007"/>
+                  </a:ext>
+                </a:extLst>
               </a:tr>
               <a:tr h="177826">
                 <a:tc>
@@ -8601,10 +8597,9 @@
                     <a:lstStyle/>
                     <a:p>
                       <a:r>
-                        <a:rPr lang="en-AU" sz="600" dirty="0" smtClean="0"/>
+                        <a:rPr lang="en-AU" sz="600" dirty="0"/>
                         <a:t>8</a:t>
                       </a:r>
-                      <a:endParaRPr lang="en-AU" sz="600" dirty="0"/>
                     </a:p>
                   </a:txBody>
                   <a:tcPr/>
@@ -8632,7 +8627,7 @@
                         <a:defRPr/>
                       </a:pPr>
                       <a:r>
-                        <a:rPr lang="en-AU" sz="600" dirty="0" smtClean="0"/>
+                        <a:rPr lang="en-AU" sz="600" dirty="0"/>
                         <a:t>Hyundai i30</a:t>
                       </a:r>
                     </a:p>
@@ -8645,10 +8640,9 @@
                     <a:lstStyle/>
                     <a:p>
                       <a:r>
-                        <a:rPr lang="en-AU" sz="600" dirty="0" smtClean="0"/>
+                        <a:rPr lang="en-AU" sz="600" dirty="0"/>
                         <a:t>300</a:t>
                       </a:r>
-                      <a:endParaRPr lang="en-AU" sz="600" dirty="0"/>
                     </a:p>
                   </a:txBody>
                   <a:tcPr/>
@@ -8659,14 +8653,18 @@
                     <a:lstStyle/>
                     <a:p>
                       <a:r>
-                        <a:rPr lang="en-AU" sz="600" dirty="0" smtClean="0"/>
+                        <a:rPr lang="en-AU" sz="600" dirty="0"/>
                         <a:t>5,552</a:t>
                       </a:r>
-                      <a:endParaRPr lang="en-AU" sz="600" dirty="0"/>
                     </a:p>
                   </a:txBody>
                   <a:tcPr/>
                 </a:tc>
+                <a:extLst>
+                  <a:ext uri="{0D108BD9-81ED-4DB2-BD59-A6C34878D82A}">
+                    <a16:rowId xmlns:a16="http://schemas.microsoft.com/office/drawing/2014/main" val="10008"/>
+                  </a:ext>
+                </a:extLst>
               </a:tr>
               <a:tr h="177826">
                 <a:tc>
@@ -8675,10 +8673,9 @@
                     <a:lstStyle/>
                     <a:p>
                       <a:r>
-                        <a:rPr lang="en-AU" sz="600" dirty="0" smtClean="0"/>
+                        <a:rPr lang="en-AU" sz="600" dirty="0"/>
                         <a:t>9</a:t>
                       </a:r>
-                      <a:endParaRPr lang="en-AU" sz="600" dirty="0"/>
                     </a:p>
                   </a:txBody>
                   <a:tcPr/>
@@ -8706,7 +8703,7 @@
                         <a:defRPr/>
                       </a:pPr>
                       <a:r>
-                        <a:rPr lang="en-AU" sz="600" dirty="0" smtClean="0"/>
+                        <a:rPr lang="en-AU" sz="600" dirty="0"/>
                         <a:t>Hyundai i30</a:t>
                       </a:r>
                     </a:p>
@@ -8719,10 +8716,9 @@
                     <a:lstStyle/>
                     <a:p>
                       <a:r>
-                        <a:rPr lang="en-AU" sz="600" dirty="0" smtClean="0"/>
+                        <a:rPr lang="en-AU" sz="600" dirty="0"/>
                         <a:t>300</a:t>
                       </a:r>
-                      <a:endParaRPr lang="en-AU" sz="600" dirty="0"/>
                     </a:p>
                   </a:txBody>
                   <a:tcPr/>
@@ -8733,14 +8729,18 @@
                     <a:lstStyle/>
                     <a:p>
                       <a:r>
-                        <a:rPr lang="en-AU" sz="600" dirty="0" smtClean="0"/>
+                        <a:rPr lang="en-AU" sz="600" dirty="0"/>
                         <a:t>5,552</a:t>
                       </a:r>
-                      <a:endParaRPr lang="en-AU" sz="600" dirty="0"/>
                     </a:p>
                   </a:txBody>
                   <a:tcPr/>
                 </a:tc>
+                <a:extLst>
+                  <a:ext uri="{0D108BD9-81ED-4DB2-BD59-A6C34878D82A}">
+                    <a16:rowId xmlns:a16="http://schemas.microsoft.com/office/drawing/2014/main" val="10009"/>
+                  </a:ext>
+                </a:extLst>
               </a:tr>
               <a:tr h="177826">
                 <a:tc>
@@ -8749,10 +8749,9 @@
                     <a:lstStyle/>
                     <a:p>
                       <a:r>
-                        <a:rPr lang="en-AU" sz="600" dirty="0" smtClean="0"/>
+                        <a:rPr lang="en-AU" sz="600" dirty="0"/>
                         <a:t>10</a:t>
                       </a:r>
-                      <a:endParaRPr lang="en-AU" sz="600" dirty="0"/>
                     </a:p>
                   </a:txBody>
                   <a:tcPr/>
@@ -8780,7 +8779,7 @@
                         <a:defRPr/>
                       </a:pPr>
                       <a:r>
-                        <a:rPr lang="en-AU" sz="600" dirty="0" smtClean="0"/>
+                        <a:rPr lang="en-AU" sz="600" dirty="0"/>
                         <a:t>Hyundai i30</a:t>
                       </a:r>
                     </a:p>
@@ -8793,10 +8792,9 @@
                     <a:lstStyle/>
                     <a:p>
                       <a:r>
-                        <a:rPr lang="en-AU" sz="600" dirty="0" smtClean="0"/>
+                        <a:rPr lang="en-AU" sz="600" dirty="0"/>
                         <a:t>300</a:t>
                       </a:r>
-                      <a:endParaRPr lang="en-AU" sz="600" dirty="0"/>
                     </a:p>
                   </a:txBody>
                   <a:tcPr/>
@@ -8807,14 +8805,18 @@
                     <a:lstStyle/>
                     <a:p>
                       <a:r>
-                        <a:rPr lang="en-AU" sz="600" dirty="0" smtClean="0"/>
+                        <a:rPr lang="en-AU" sz="600" dirty="0"/>
                         <a:t>5,552</a:t>
                       </a:r>
-                      <a:endParaRPr lang="en-AU" sz="600" dirty="0"/>
                     </a:p>
                   </a:txBody>
                   <a:tcPr/>
                 </a:tc>
+                <a:extLst>
+                  <a:ext uri="{0D108BD9-81ED-4DB2-BD59-A6C34878D82A}">
+                    <a16:rowId xmlns:a16="http://schemas.microsoft.com/office/drawing/2014/main" val="10010"/>
+                  </a:ext>
+                </a:extLst>
               </a:tr>
             </a:tbl>
           </a:graphicData>
@@ -8913,10 +8915,9 @@
           <a:lstStyle/>
           <a:p>
             <a:r>
-              <a:rPr lang="en-US" sz="1200" b="1" dirty="0" smtClean="0"/>
+              <a:rPr lang="en-US" sz="1200" b="1" dirty="0"/>
               <a:t>CLICKS BY DEVICE USAGE</a:t>
             </a:r>
-            <a:endParaRPr lang="en-US" sz="1200" b="1" dirty="0"/>
           </a:p>
         </p:txBody>
       </p:sp>
@@ -9001,10 +9002,9 @@
           <a:lstStyle/>
           <a:p>
             <a:r>
-              <a:rPr lang="en-AU" sz="2800" b="1" dirty="0" smtClean="0"/>
+              <a:rPr lang="en-AU" sz="2800" b="1" dirty="0"/>
               <a:t>520</a:t>
             </a:r>
-            <a:endParaRPr lang="en-AU" sz="2800" b="1" dirty="0"/>
           </a:p>
         </p:txBody>
       </p:sp>
@@ -9031,11 +9031,11 @@
           <a:lstStyle/>
           <a:p>
             <a:r>
-              <a:rPr lang="en-US" sz="1200" b="1" dirty="0" smtClean="0"/>
+              <a:rPr lang="en-US" sz="1200" b="1" dirty="0"/>
               <a:t>Online </a:t>
             </a:r>
             <a:r>
-              <a:rPr lang="en-US" sz="1200" b="1" dirty="0" err="1" smtClean="0"/>
+              <a:rPr lang="en-US" sz="1200" b="1" dirty="0" err="1"/>
               <a:t>Conv</a:t>
             </a:r>
             <a:endParaRPr lang="en-US" sz="1200" b="1" dirty="0"/>
@@ -9105,20 +9105,19 @@
           <a:lstStyle/>
           <a:p>
             <a:r>
-              <a:rPr lang="en-AU" sz="800" dirty="0" smtClean="0"/>
+              <a:rPr lang="en-AU" sz="800" dirty="0"/>
               <a:t>15% vs </a:t>
             </a:r>
           </a:p>
           <a:p>
             <a:r>
-              <a:rPr lang="en-AU" sz="800" dirty="0" err="1" smtClean="0"/>
+              <a:rPr lang="en-AU" sz="800" dirty="0" err="1"/>
               <a:t>prev</a:t>
             </a:r>
             <a:r>
-              <a:rPr lang="en-AU" sz="800" dirty="0" smtClean="0"/>
+              <a:rPr lang="en-AU" sz="800" dirty="0"/>
               <a:t> period</a:t>
             </a:r>
-            <a:endParaRPr lang="en-AU" sz="800" dirty="0"/>
           </a:p>
         </p:txBody>
       </p:sp>
@@ -9145,10 +9144,9 @@
           <a:lstStyle/>
           <a:p>
             <a:r>
-              <a:rPr lang="en-US" sz="1200" b="1" dirty="0" smtClean="0"/>
+              <a:rPr lang="en-US" sz="1200" b="1" dirty="0"/>
               <a:t>COST PER LEAD</a:t>
             </a:r>
-            <a:endParaRPr lang="en-US" sz="1200" b="1" dirty="0"/>
           </a:p>
         </p:txBody>
       </p:sp>
@@ -9175,7 +9173,7 @@
           <a:lstStyle/>
           <a:p>
             <a:r>
-              <a:rPr lang="en-US" sz="1200" b="1" dirty="0" smtClean="0">
+              <a:rPr lang="en-US" sz="1200" b="1" dirty="0">
                 <a:solidFill>
                   <a:schemeClr val="tx1">
                     <a:lumMod val="75000"/>
@@ -9184,13 +9182,6 @@
               </a:rPr>
               <a:t>SEARCH MANAGEMENT REPORT</a:t>
             </a:r>
-            <a:endParaRPr lang="en-US" sz="1200" b="1" dirty="0">
-              <a:solidFill>
-                <a:schemeClr val="tx1">
-                  <a:lumMod val="75000"/>
-                </a:schemeClr>
-              </a:solidFill>
-            </a:endParaRPr>
           </a:p>
         </p:txBody>
       </p:sp>
@@ -9231,11 +9222,11 @@
           <a:p>
             <a:pPr algn="ctr"/>
             <a:r>
-              <a:rPr lang="en-AU" sz="1000" dirty="0" smtClean="0"/>
+              <a:rPr lang="en-AU" sz="1000" dirty="0"/>
               <a:t>Dropdown: </a:t>
             </a:r>
             <a:r>
-              <a:rPr lang="en-AU" sz="1000" smtClean="0"/>
+              <a:rPr lang="en-AU" sz="1000"/>
               <a:t>AdWords Account</a:t>
             </a:r>
             <a:endParaRPr lang="en-AU" sz="1000" dirty="0"/>
@@ -9246,365 +9237,6 @@
     <p:extLst>
       <p:ext uri="{BB962C8B-B14F-4D97-AF65-F5344CB8AC3E}">
         <p14:creationId xmlns:p14="http://schemas.microsoft.com/office/powerpoint/2010/main" val="1664672452"/>
-      </p:ext>
-    </p:extLst>
-  </p:cSld>
-  <p:clrMapOvr>
-    <a:masterClrMapping/>
-  </p:clrMapOvr>
-</p:sld>
-</file>
-
-<file path=ppt/slides/slide2.xml><?xml version="1.0" encoding="utf-8"?>
-<p:sld xmlns:a="http://schemas.openxmlformats.org/drawingml/2006/main" xmlns:r="http://schemas.openxmlformats.org/officeDocument/2006/relationships" xmlns:p="http://schemas.openxmlformats.org/presentationml/2006/main">
-  <p:cSld>
-    <p:spTree>
-      <p:nvGrpSpPr>
-        <p:cNvPr id="1" name=""/>
-        <p:cNvGrpSpPr/>
-        <p:nvPr/>
-      </p:nvGrpSpPr>
-      <p:grpSpPr>
-        <a:xfrm>
-          <a:off x="0" y="0"/>
-          <a:ext cx="0" cy="0"/>
-          <a:chOff x="0" y="0"/>
-          <a:chExt cx="0" cy="0"/>
-        </a:xfrm>
-      </p:grpSpPr>
-      <p:sp>
-        <p:nvSpPr>
-          <p:cNvPr id="4" name="Rectangle 3"/>
-          <p:cNvSpPr/>
-          <p:nvPr/>
-        </p:nvSpPr>
-        <p:spPr>
-          <a:xfrm>
-            <a:off x="228600" y="906155"/>
-            <a:ext cx="10275570" cy="4302927"/>
-          </a:xfrm>
-          <a:prstGeom prst="rect">
-            <a:avLst/>
-          </a:prstGeom>
-          <a:solidFill>
-            <a:schemeClr val="bg1">
-              <a:lumMod val="75000"/>
-              <a:lumOff val="25000"/>
-            </a:schemeClr>
-          </a:solidFill>
-        </p:spPr>
-        <p:style>
-          <a:lnRef idx="2">
-            <a:schemeClr val="dk1"/>
-          </a:lnRef>
-          <a:fillRef idx="1">
-            <a:schemeClr val="lt1"/>
-          </a:fillRef>
-          <a:effectRef idx="0">
-            <a:schemeClr val="dk1"/>
-          </a:effectRef>
-          <a:fontRef idx="minor">
-            <a:schemeClr val="dk1"/>
-          </a:fontRef>
-        </p:style>
-        <p:txBody>
-          <a:bodyPr rtlCol="0" anchor="ctr"/>
-          <a:lstStyle/>
-          <a:p>
-            <a:pPr algn="ctr"/>
-            <a:endParaRPr lang="en-US">
-              <a:solidFill>
-                <a:schemeClr val="tx1"/>
-              </a:solidFill>
-            </a:endParaRPr>
-          </a:p>
-        </p:txBody>
-      </p:sp>
-      <p:sp>
-        <p:nvSpPr>
-          <p:cNvPr id="46" name="TextBox 45"/>
-          <p:cNvSpPr txBox="1"/>
-          <p:nvPr/>
-        </p:nvSpPr>
-        <p:spPr>
-          <a:xfrm>
-            <a:off x="6647908" y="541962"/>
-            <a:ext cx="3878518" cy="307777"/>
-          </a:xfrm>
-          <a:prstGeom prst="rect">
-            <a:avLst/>
-          </a:prstGeom>
-          <a:noFill/>
-        </p:spPr>
-        <p:txBody>
-          <a:bodyPr wrap="square" rtlCol="0">
-            <a:spAutoFit/>
-          </a:bodyPr>
-          <a:lstStyle/>
-          <a:p>
-            <a:pPr algn="r"/>
-            <a:r>
-              <a:rPr lang="en-US" sz="700" dirty="0"/>
-              <a:t>This Month (Oct 01, 2016 - Oct 31, 2016)</a:t>
-            </a:r>
-            <a:br>
-              <a:rPr lang="en-US" sz="700" dirty="0"/>
-            </a:br>
-            <a:r>
-              <a:rPr lang="en-US" sz="700" dirty="0"/>
-              <a:t>vs. previous period (Sep 01, 2016 - Sep 30, 2016)</a:t>
-            </a:r>
-            <a:endParaRPr lang="en-US" sz="700" b="1" dirty="0"/>
-          </a:p>
-        </p:txBody>
-      </p:sp>
-      <p:sp>
-        <p:nvSpPr>
-          <p:cNvPr id="47" name="TextBox 46"/>
-          <p:cNvSpPr txBox="1"/>
-          <p:nvPr/>
-        </p:nvSpPr>
-        <p:spPr>
-          <a:xfrm>
-            <a:off x="228600" y="906155"/>
-            <a:ext cx="3028950" cy="276999"/>
-          </a:xfrm>
-          <a:prstGeom prst="rect">
-            <a:avLst/>
-          </a:prstGeom>
-          <a:noFill/>
-        </p:spPr>
-        <p:txBody>
-          <a:bodyPr wrap="square" rtlCol="0">
-            <a:spAutoFit/>
-          </a:bodyPr>
-          <a:lstStyle/>
-          <a:p>
-            <a:r>
-              <a:rPr lang="en-US" sz="1200" b="1" dirty="0" smtClean="0"/>
-              <a:t>CAMPAIGN SUMMARY</a:t>
-            </a:r>
-            <a:endParaRPr lang="en-US" sz="1200" b="1" dirty="0"/>
-          </a:p>
-        </p:txBody>
-      </p:sp>
-      <p:pic>
-        <p:nvPicPr>
-          <p:cNvPr id="12" name="Picture 11"/>
-          <p:cNvPicPr>
-            <a:picLocks noChangeAspect="1"/>
-          </p:cNvPicPr>
-          <p:nvPr/>
-        </p:nvPicPr>
-        <p:blipFill rotWithShape="1">
-          <a:blip r:embed="rId3">
-            <a:extLst>
-              <a:ext uri="{28A0092B-C50C-407E-A947-70E740481C1C}">
-                <a14:useLocalDpi xmlns:a14="http://schemas.microsoft.com/office/drawing/2010/main" val="0"/>
-              </a:ext>
-            </a:extLst>
-          </a:blip>
-          <a:srcRect r="80270"/>
-          <a:stretch/>
-        </p:blipFill>
-        <p:spPr>
-          <a:xfrm>
-            <a:off x="342497" y="1257667"/>
-            <a:ext cx="1891038" cy="3599902"/>
-          </a:xfrm>
-          <a:prstGeom prst="rect">
-            <a:avLst/>
-          </a:prstGeom>
-        </p:spPr>
-      </p:pic>
-      <p:pic>
-        <p:nvPicPr>
-          <p:cNvPr id="48" name="Picture 47"/>
-          <p:cNvPicPr>
-            <a:picLocks noChangeAspect="1"/>
-          </p:cNvPicPr>
-          <p:nvPr/>
-        </p:nvPicPr>
-        <p:blipFill rotWithShape="1">
-          <a:blip r:embed="rId3">
-            <a:extLst>
-              <a:ext uri="{28A0092B-C50C-407E-A947-70E740481C1C}">
-                <a14:useLocalDpi xmlns:a14="http://schemas.microsoft.com/office/drawing/2010/main" val="0"/>
-              </a:ext>
-            </a:extLst>
-          </a:blip>
-          <a:srcRect l="38262"/>
-          <a:stretch/>
-        </p:blipFill>
-        <p:spPr>
-          <a:xfrm>
-            <a:off x="2166079" y="1262055"/>
-            <a:ext cx="5917447" cy="3599902"/>
-          </a:xfrm>
-          <a:prstGeom prst="rect">
-            <a:avLst/>
-          </a:prstGeom>
-        </p:spPr>
-      </p:pic>
-      <p:sp>
-        <p:nvSpPr>
-          <p:cNvPr id="49" name="TextBox 48"/>
-          <p:cNvSpPr txBox="1"/>
-          <p:nvPr/>
-        </p:nvSpPr>
-        <p:spPr>
-          <a:xfrm>
-            <a:off x="6797810" y="1325123"/>
-            <a:ext cx="1214433" cy="215444"/>
-          </a:xfrm>
-          <a:prstGeom prst="rect">
-            <a:avLst/>
-          </a:prstGeom>
-          <a:solidFill>
-            <a:schemeClr val="bg1">
-              <a:lumMod val="75000"/>
-              <a:lumOff val="25000"/>
-            </a:schemeClr>
-          </a:solidFill>
-        </p:spPr>
-        <p:txBody>
-          <a:bodyPr wrap="square" rtlCol="0">
-            <a:spAutoFit/>
-          </a:bodyPr>
-          <a:lstStyle/>
-          <a:p>
-            <a:r>
-              <a:rPr lang="en-US" sz="800" b="1" dirty="0" smtClean="0"/>
-              <a:t>Calls</a:t>
-            </a:r>
-            <a:endParaRPr lang="en-US" sz="800" b="1" dirty="0"/>
-          </a:p>
-        </p:txBody>
-      </p:sp>
-      <p:sp>
-        <p:nvSpPr>
-          <p:cNvPr id="9" name="Rounded Rectangle 8"/>
-          <p:cNvSpPr/>
-          <p:nvPr/>
-        </p:nvSpPr>
-        <p:spPr>
-          <a:xfrm>
-            <a:off x="5995310" y="576983"/>
-            <a:ext cx="2118191" cy="202953"/>
-          </a:xfrm>
-          <a:prstGeom prst="roundRect">
-            <a:avLst/>
-          </a:prstGeom>
-        </p:spPr>
-        <p:style>
-          <a:lnRef idx="2">
-            <a:schemeClr val="accent3">
-              <a:shade val="50000"/>
-            </a:schemeClr>
-          </a:lnRef>
-          <a:fillRef idx="1">
-            <a:schemeClr val="accent3"/>
-          </a:fillRef>
-          <a:effectRef idx="0">
-            <a:schemeClr val="accent3"/>
-          </a:effectRef>
-          <a:fontRef idx="minor">
-            <a:schemeClr val="lt1"/>
-          </a:fontRef>
-        </p:style>
-        <p:txBody>
-          <a:bodyPr rtlCol="0" anchor="ctr"/>
-          <a:lstStyle/>
-          <a:p>
-            <a:pPr algn="ctr"/>
-            <a:r>
-              <a:rPr lang="en-AU" sz="1000" dirty="0" smtClean="0"/>
-              <a:t>Dropdown: </a:t>
-            </a:r>
-            <a:r>
-              <a:rPr lang="en-AU" sz="1000" smtClean="0"/>
-              <a:t>AdWords Account</a:t>
-            </a:r>
-            <a:endParaRPr lang="en-AU" sz="1000" dirty="0"/>
-          </a:p>
-        </p:txBody>
-      </p:sp>
-      <p:sp>
-        <p:nvSpPr>
-          <p:cNvPr id="10" name="TextBox 9"/>
-          <p:cNvSpPr txBox="1"/>
-          <p:nvPr/>
-        </p:nvSpPr>
-        <p:spPr>
-          <a:xfrm>
-            <a:off x="228600" y="292377"/>
-            <a:ext cx="3028950" cy="393954"/>
-          </a:xfrm>
-          <a:prstGeom prst="rect">
-            <a:avLst/>
-          </a:prstGeom>
-          <a:noFill/>
-        </p:spPr>
-        <p:txBody>
-          <a:bodyPr wrap="square" rtlCol="0">
-            <a:spAutoFit/>
-          </a:bodyPr>
-          <a:lstStyle/>
-          <a:p>
-            <a:r>
-              <a:rPr lang="en-US" b="1" dirty="0" smtClean="0"/>
-              <a:t>Client Name</a:t>
-            </a:r>
-            <a:endParaRPr lang="en-US" b="1" dirty="0"/>
-          </a:p>
-        </p:txBody>
-      </p:sp>
-      <p:sp>
-        <p:nvSpPr>
-          <p:cNvPr id="11" name="TextBox 10"/>
-          <p:cNvSpPr txBox="1"/>
-          <p:nvPr/>
-        </p:nvSpPr>
-        <p:spPr>
-          <a:xfrm>
-            <a:off x="246869" y="594752"/>
-            <a:ext cx="3028950" cy="276999"/>
-          </a:xfrm>
-          <a:prstGeom prst="rect">
-            <a:avLst/>
-          </a:prstGeom>
-          <a:noFill/>
-        </p:spPr>
-        <p:txBody>
-          <a:bodyPr wrap="square" rtlCol="0">
-            <a:spAutoFit/>
-          </a:bodyPr>
-          <a:lstStyle/>
-          <a:p>
-            <a:r>
-              <a:rPr lang="en-US" sz="1200" b="1" dirty="0" smtClean="0">
-                <a:solidFill>
-                  <a:schemeClr val="tx1">
-                    <a:lumMod val="75000"/>
-                  </a:schemeClr>
-                </a:solidFill>
-              </a:rPr>
-              <a:t>SEARCH MANAGEMENT REPORT</a:t>
-            </a:r>
-            <a:endParaRPr lang="en-US" sz="1200" b="1" dirty="0">
-              <a:solidFill>
-                <a:schemeClr val="tx1">
-                  <a:lumMod val="75000"/>
-                </a:schemeClr>
-              </a:solidFill>
-            </a:endParaRPr>
-          </a:p>
-        </p:txBody>
-      </p:sp>
-    </p:spTree>
-    <p:extLst>
-      <p:ext uri="{BB962C8B-B14F-4D97-AF65-F5344CB8AC3E}">
-        <p14:creationId xmlns:p14="http://schemas.microsoft.com/office/powerpoint/2010/main" val="1328723894"/>
       </p:ext>
     </p:extLst>
   </p:cSld>
